--- a/content/post/featured-flag-template.pptx
+++ b/content/post/featured-flag-template.pptx
@@ -7,6 +7,12 @@
   <p:sldIdLst>
     <p:sldId id="259" r:id="rId5"/>
     <p:sldId id="261" r:id="rId6"/>
+    <p:sldId id="269" r:id="rId7"/>
+    <p:sldId id="270" r:id="rId8"/>
+    <p:sldId id="271" r:id="rId9"/>
+    <p:sldId id="272" r:id="rId10"/>
+    <p:sldId id="273" r:id="rId11"/>
+    <p:sldId id="274" r:id="rId12"/>
   </p:sldIdLst>
   <p:sldSz cx="7315200" cy="5376863"/>
   <p:notesSz cx="6858000" cy="9144000"/>
@@ -256,7 +262,7 @@
           <a:p>
             <a:fld id="{699082D2-728E-47B7-AA51-904213E59808}" type="datetimeFigureOut">
               <a:rPr lang="en-US" smtClean="0"/>
-              <a:t>8/6/2019</a:t>
+              <a:t>11/18/2020</a:t>
             </a:fld>
             <a:endParaRPr lang="en-US"/>
           </a:p>
@@ -426,7 +432,7 @@
           <a:p>
             <a:fld id="{699082D2-728E-47B7-AA51-904213E59808}" type="datetimeFigureOut">
               <a:rPr lang="en-US" smtClean="0"/>
-              <a:t>8/6/2019</a:t>
+              <a:t>11/18/2020</a:t>
             </a:fld>
             <a:endParaRPr lang="en-US"/>
           </a:p>
@@ -606,7 +612,7 @@
           <a:p>
             <a:fld id="{699082D2-728E-47B7-AA51-904213E59808}" type="datetimeFigureOut">
               <a:rPr lang="en-US" smtClean="0"/>
-              <a:t>8/6/2019</a:t>
+              <a:t>11/18/2020</a:t>
             </a:fld>
             <a:endParaRPr lang="en-US"/>
           </a:p>
@@ -776,7 +782,7 @@
           <a:p>
             <a:fld id="{699082D2-728E-47B7-AA51-904213E59808}" type="datetimeFigureOut">
               <a:rPr lang="en-US" smtClean="0"/>
-              <a:t>8/6/2019</a:t>
+              <a:t>11/18/2020</a:t>
             </a:fld>
             <a:endParaRPr lang="en-US"/>
           </a:p>
@@ -1020,7 +1026,7 @@
           <a:p>
             <a:fld id="{699082D2-728E-47B7-AA51-904213E59808}" type="datetimeFigureOut">
               <a:rPr lang="en-US" smtClean="0"/>
-              <a:t>8/6/2019</a:t>
+              <a:t>11/18/2020</a:t>
             </a:fld>
             <a:endParaRPr lang="en-US"/>
           </a:p>
@@ -1252,7 +1258,7 @@
           <a:p>
             <a:fld id="{699082D2-728E-47B7-AA51-904213E59808}" type="datetimeFigureOut">
               <a:rPr lang="en-US" smtClean="0"/>
-              <a:t>8/6/2019</a:t>
+              <a:t>11/18/2020</a:t>
             </a:fld>
             <a:endParaRPr lang="en-US"/>
           </a:p>
@@ -1619,7 +1625,7 @@
           <a:p>
             <a:fld id="{699082D2-728E-47B7-AA51-904213E59808}" type="datetimeFigureOut">
               <a:rPr lang="en-US" smtClean="0"/>
-              <a:t>8/6/2019</a:t>
+              <a:t>11/18/2020</a:t>
             </a:fld>
             <a:endParaRPr lang="en-US"/>
           </a:p>
@@ -1737,7 +1743,7 @@
           <a:p>
             <a:fld id="{699082D2-728E-47B7-AA51-904213E59808}" type="datetimeFigureOut">
               <a:rPr lang="en-US" smtClean="0"/>
-              <a:t>8/6/2019</a:t>
+              <a:t>11/18/2020</a:t>
             </a:fld>
             <a:endParaRPr lang="en-US"/>
           </a:p>
@@ -1832,7 +1838,7 @@
           <a:p>
             <a:fld id="{699082D2-728E-47B7-AA51-904213E59808}" type="datetimeFigureOut">
               <a:rPr lang="en-US" smtClean="0"/>
-              <a:t>8/6/2019</a:t>
+              <a:t>11/18/2020</a:t>
             </a:fld>
             <a:endParaRPr lang="en-US"/>
           </a:p>
@@ -2109,7 +2115,7 @@
           <a:p>
             <a:fld id="{699082D2-728E-47B7-AA51-904213E59808}" type="datetimeFigureOut">
               <a:rPr lang="en-US" smtClean="0"/>
-              <a:t>8/6/2019</a:t>
+              <a:t>11/18/2020</a:t>
             </a:fld>
             <a:endParaRPr lang="en-US"/>
           </a:p>
@@ -2366,7 +2372,7 @@
           <a:p>
             <a:fld id="{699082D2-728E-47B7-AA51-904213E59808}" type="datetimeFigureOut">
               <a:rPr lang="en-US" smtClean="0"/>
-              <a:t>8/6/2019</a:t>
+              <a:t>11/18/2020</a:t>
             </a:fld>
             <a:endParaRPr lang="en-US"/>
           </a:p>
@@ -2579,7 +2585,7 @@
           <a:p>
             <a:fld id="{699082D2-728E-47B7-AA51-904213E59808}" type="datetimeFigureOut">
               <a:rPr lang="en-US" smtClean="0"/>
-              <a:t>8/6/2019</a:t>
+              <a:t>11/18/2020</a:t>
             </a:fld>
             <a:endParaRPr lang="en-US"/>
           </a:p>
@@ -7411,6 +7417,5028 @@
 </p:sld>
 </file>
 
+<file path=ppt/slides/slide3.xml><?xml version="1.0" encoding="utf-8"?>
+<p:sld xmlns:a="http://schemas.openxmlformats.org/drawingml/2006/main" xmlns:r="http://schemas.openxmlformats.org/officeDocument/2006/relationships" xmlns:p="http://schemas.openxmlformats.org/presentationml/2006/main">
+  <p:cSld>
+    <p:spTree>
+      <p:nvGrpSpPr>
+        <p:cNvPr id="1" name=""/>
+        <p:cNvGrpSpPr/>
+        <p:nvPr/>
+      </p:nvGrpSpPr>
+      <p:grpSpPr>
+        <a:xfrm>
+          <a:off x="0" y="0"/>
+          <a:ext cx="0" cy="0"/>
+          <a:chOff x="0" y="0"/>
+          <a:chExt cx="0" cy="0"/>
+        </a:xfrm>
+      </p:grpSpPr>
+      <p:sp>
+        <p:nvSpPr>
+          <p:cNvPr id="2" name="Rectangle 1">
+            <a:extLst>
+              <a:ext uri="{FF2B5EF4-FFF2-40B4-BE49-F238E27FC236}">
+                <a16:creationId xmlns:a16="http://schemas.microsoft.com/office/drawing/2014/main" id="{B70B2CDD-C356-43D4-85E9-E5F91B702DBF}"/>
+              </a:ext>
+            </a:extLst>
+          </p:cNvPr>
+          <p:cNvSpPr/>
+          <p:nvPr/>
+        </p:nvSpPr>
+        <p:spPr>
+          <a:xfrm>
+            <a:off x="0" y="2237"/>
+            <a:ext cx="7315200" cy="5375871"/>
+          </a:xfrm>
+          <a:prstGeom prst="rect">
+            <a:avLst/>
+          </a:prstGeom>
+          <a:noFill/>
+          <a:ln>
+            <a:noFill/>
+          </a:ln>
+        </p:spPr>
+        <p:style>
+          <a:lnRef idx="2">
+            <a:schemeClr val="accent1">
+              <a:shade val="50000"/>
+            </a:schemeClr>
+          </a:lnRef>
+          <a:fillRef idx="1">
+            <a:schemeClr val="accent1"/>
+          </a:fillRef>
+          <a:effectRef idx="0">
+            <a:schemeClr val="accent1"/>
+          </a:effectRef>
+          <a:fontRef idx="minor">
+            <a:schemeClr val="lt1"/>
+          </a:fontRef>
+        </p:style>
+        <p:txBody>
+          <a:bodyPr rtlCol="0" anchor="ctr"/>
+          <a:lstStyle/>
+          <a:p>
+            <a:pPr algn="ctr"/>
+            <a:endParaRPr lang="en-US">
+              <a:latin typeface="Arial" panose="020B0604020202020204" pitchFamily="34" charset="0"/>
+              <a:cs typeface="Arial" panose="020B0604020202020204" pitchFamily="34" charset="0"/>
+            </a:endParaRPr>
+          </a:p>
+        </p:txBody>
+      </p:sp>
+      <p:sp>
+        <p:nvSpPr>
+          <p:cNvPr id="3" name="Rectangle 2">
+            <a:extLst>
+              <a:ext uri="{FF2B5EF4-FFF2-40B4-BE49-F238E27FC236}">
+                <a16:creationId xmlns:a16="http://schemas.microsoft.com/office/drawing/2014/main" id="{312098E9-5F37-45E1-A8B2-E53272F2D5E7}"/>
+              </a:ext>
+            </a:extLst>
+          </p:cNvPr>
+          <p:cNvSpPr/>
+          <p:nvPr/>
+        </p:nvSpPr>
+        <p:spPr>
+          <a:xfrm>
+            <a:off x="0" y="629162"/>
+            <a:ext cx="7315200" cy="4114800"/>
+          </a:xfrm>
+          <a:prstGeom prst="rect">
+            <a:avLst/>
+          </a:prstGeom>
+          <a:noFill/>
+          <a:ln>
+            <a:noFill/>
+          </a:ln>
+        </p:spPr>
+        <p:style>
+          <a:lnRef idx="2">
+            <a:schemeClr val="accent3">
+              <a:shade val="50000"/>
+            </a:schemeClr>
+          </a:lnRef>
+          <a:fillRef idx="1">
+            <a:schemeClr val="accent3"/>
+          </a:fillRef>
+          <a:effectRef idx="0">
+            <a:schemeClr val="accent3"/>
+          </a:effectRef>
+          <a:fontRef idx="minor">
+            <a:schemeClr val="lt1"/>
+          </a:fontRef>
+        </p:style>
+        <p:txBody>
+          <a:bodyPr rtlCol="0" anchor="ctr"/>
+          <a:lstStyle/>
+          <a:p>
+            <a:pPr algn="ctr"/>
+            <a:endParaRPr lang="en-US" dirty="0">
+              <a:solidFill>
+                <a:schemeClr val="accent2"/>
+              </a:solidFill>
+              <a:latin typeface="Arial" panose="020B0604020202020204" pitchFamily="34" charset="0"/>
+              <a:cs typeface="Arial" panose="020B0604020202020204" pitchFamily="34" charset="0"/>
+            </a:endParaRPr>
+          </a:p>
+        </p:txBody>
+      </p:sp>
+      <p:sp>
+        <p:nvSpPr>
+          <p:cNvPr id="4" name="Rectangle 3">
+            <a:extLst>
+              <a:ext uri="{FF2B5EF4-FFF2-40B4-BE49-F238E27FC236}">
+                <a16:creationId xmlns:a16="http://schemas.microsoft.com/office/drawing/2014/main" id="{C298E2A0-CC32-43D0-8F55-B4B255674F53}"/>
+              </a:ext>
+            </a:extLst>
+          </p:cNvPr>
+          <p:cNvSpPr/>
+          <p:nvPr/>
+        </p:nvSpPr>
+        <p:spPr>
+          <a:xfrm>
+            <a:off x="7176" y="1427346"/>
+            <a:ext cx="7315200" cy="2560320"/>
+          </a:xfrm>
+          <a:prstGeom prst="rect">
+            <a:avLst/>
+          </a:prstGeom>
+          <a:noFill/>
+          <a:ln>
+            <a:noFill/>
+          </a:ln>
+        </p:spPr>
+        <p:style>
+          <a:lnRef idx="2">
+            <a:schemeClr val="accent1">
+              <a:shade val="50000"/>
+            </a:schemeClr>
+          </a:lnRef>
+          <a:fillRef idx="1">
+            <a:schemeClr val="accent1"/>
+          </a:fillRef>
+          <a:effectRef idx="0">
+            <a:schemeClr val="accent1"/>
+          </a:effectRef>
+          <a:fontRef idx="minor">
+            <a:schemeClr val="lt1"/>
+          </a:fontRef>
+        </p:style>
+        <p:txBody>
+          <a:bodyPr rtlCol="0" anchor="ctr"/>
+          <a:lstStyle/>
+          <a:p>
+            <a:pPr algn="ctr"/>
+            <a:endParaRPr lang="en-US">
+              <a:latin typeface="Arial" panose="020B0604020202020204" pitchFamily="34" charset="0"/>
+              <a:cs typeface="Arial" panose="020B0604020202020204" pitchFamily="34" charset="0"/>
+            </a:endParaRPr>
+          </a:p>
+        </p:txBody>
+      </p:sp>
+      <p:pic>
+        <p:nvPicPr>
+          <p:cNvPr id="5" name="Picture 4" descr="A close up of a keyboard&#10;&#10;Description automatically generated">
+            <a:extLst>
+              <a:ext uri="{FF2B5EF4-FFF2-40B4-BE49-F238E27FC236}">
+                <a16:creationId xmlns:a16="http://schemas.microsoft.com/office/drawing/2014/main" id="{763C4774-D8CD-4F9E-AE34-5DA7C8EE2266}"/>
+              </a:ext>
+            </a:extLst>
+          </p:cNvPr>
+          <p:cNvPicPr>
+            <a:picLocks noChangeAspect="1"/>
+          </p:cNvPicPr>
+          <p:nvPr/>
+        </p:nvPicPr>
+        <p:blipFill>
+          <a:blip r:embed="rId2">
+            <a:extLst>
+              <a:ext uri="{28A0092B-C50C-407E-A947-70E740481C1C}">
+                <a14:useLocalDpi xmlns:a14="http://schemas.microsoft.com/office/drawing/2010/main" val="0"/>
+              </a:ext>
+            </a:extLst>
+          </a:blip>
+          <a:stretch>
+            <a:fillRect/>
+          </a:stretch>
+        </p:blipFill>
+        <p:spPr>
+          <a:xfrm>
+            <a:off x="1064146" y="1546460"/>
+            <a:ext cx="1711036" cy="748578"/>
+          </a:xfrm>
+          <a:prstGeom prst="rect">
+            <a:avLst/>
+          </a:prstGeom>
+        </p:spPr>
+      </p:pic>
+      <p:sp>
+        <p:nvSpPr>
+          <p:cNvPr id="6" name="TextBox 5">
+            <a:extLst>
+              <a:ext uri="{FF2B5EF4-FFF2-40B4-BE49-F238E27FC236}">
+                <a16:creationId xmlns:a16="http://schemas.microsoft.com/office/drawing/2014/main" id="{25D7C3BB-0711-42E6-ACAD-5526D6A9D366}"/>
+              </a:ext>
+            </a:extLst>
+          </p:cNvPr>
+          <p:cNvSpPr txBox="1"/>
+          <p:nvPr/>
+        </p:nvSpPr>
+        <p:spPr>
+          <a:xfrm>
+            <a:off x="2935489" y="1796311"/>
+            <a:ext cx="1392702" cy="369332"/>
+          </a:xfrm>
+          <a:prstGeom prst="rect">
+            <a:avLst/>
+          </a:prstGeom>
+          <a:noFill/>
+          <a:ln w="57150">
+            <a:solidFill>
+              <a:schemeClr val="tx1"/>
+            </a:solidFill>
+          </a:ln>
+        </p:spPr>
+        <p:txBody>
+          <a:bodyPr wrap="square" rtlCol="0">
+            <a:spAutoFit/>
+          </a:bodyPr>
+          <a:lstStyle/>
+          <a:p>
+            <a:pPr algn="ctr"/>
+            <a:r>
+              <a:rPr lang="en-CA" dirty="0"/>
+              <a:t>Collect data</a:t>
+            </a:r>
+          </a:p>
+        </p:txBody>
+      </p:sp>
+      <p:sp>
+        <p:nvSpPr>
+          <p:cNvPr id="7" name="TextBox 6">
+            <a:extLst>
+              <a:ext uri="{FF2B5EF4-FFF2-40B4-BE49-F238E27FC236}">
+                <a16:creationId xmlns:a16="http://schemas.microsoft.com/office/drawing/2014/main" id="{655D96BD-6C32-4795-AD94-DFC24E410607}"/>
+              </a:ext>
+            </a:extLst>
+          </p:cNvPr>
+          <p:cNvSpPr txBox="1"/>
+          <p:nvPr/>
+        </p:nvSpPr>
+        <p:spPr>
+          <a:xfrm>
+            <a:off x="4822820" y="1796311"/>
+            <a:ext cx="1392702" cy="369332"/>
+          </a:xfrm>
+          <a:prstGeom prst="rect">
+            <a:avLst/>
+          </a:prstGeom>
+          <a:noFill/>
+          <a:ln w="57150">
+            <a:solidFill>
+              <a:srgbClr val="00B0F0"/>
+            </a:solidFill>
+          </a:ln>
+        </p:spPr>
+        <p:txBody>
+          <a:bodyPr wrap="square" rtlCol="0">
+            <a:spAutoFit/>
+          </a:bodyPr>
+          <a:lstStyle/>
+          <a:p>
+            <a:pPr algn="ctr"/>
+            <a:r>
+              <a:rPr lang="en-CA" b="1" dirty="0"/>
+              <a:t>Import to R</a:t>
+            </a:r>
+          </a:p>
+        </p:txBody>
+      </p:sp>
+      <p:sp>
+        <p:nvSpPr>
+          <p:cNvPr id="8" name="TextBox 7">
+            <a:extLst>
+              <a:ext uri="{FF2B5EF4-FFF2-40B4-BE49-F238E27FC236}">
+                <a16:creationId xmlns:a16="http://schemas.microsoft.com/office/drawing/2014/main" id="{B214052D-A7C8-4926-A09C-CBF8C07B76C1}"/>
+              </a:ext>
+            </a:extLst>
+          </p:cNvPr>
+          <p:cNvSpPr txBox="1"/>
+          <p:nvPr/>
+        </p:nvSpPr>
+        <p:spPr>
+          <a:xfrm>
+            <a:off x="4822820" y="2537698"/>
+            <a:ext cx="1392702" cy="646331"/>
+          </a:xfrm>
+          <a:prstGeom prst="rect">
+            <a:avLst/>
+          </a:prstGeom>
+          <a:noFill/>
+          <a:ln w="57150">
+            <a:solidFill>
+              <a:schemeClr val="tx1"/>
+            </a:solidFill>
+          </a:ln>
+        </p:spPr>
+        <p:txBody>
+          <a:bodyPr wrap="square" rtlCol="0">
+            <a:spAutoFit/>
+          </a:bodyPr>
+          <a:lstStyle/>
+          <a:p>
+            <a:pPr algn="ctr"/>
+            <a:r>
+              <a:rPr lang="en-CA" dirty="0"/>
+              <a:t>Clean &amp; Transform</a:t>
+            </a:r>
+          </a:p>
+        </p:txBody>
+      </p:sp>
+      <p:sp>
+        <p:nvSpPr>
+          <p:cNvPr id="9" name="TextBox 8">
+            <a:extLst>
+              <a:ext uri="{FF2B5EF4-FFF2-40B4-BE49-F238E27FC236}">
+                <a16:creationId xmlns:a16="http://schemas.microsoft.com/office/drawing/2014/main" id="{580BDFC1-CD95-4CB5-BB28-6CB967975533}"/>
+              </a:ext>
+            </a:extLst>
+          </p:cNvPr>
+          <p:cNvSpPr txBox="1"/>
+          <p:nvPr/>
+        </p:nvSpPr>
+        <p:spPr>
+          <a:xfrm>
+            <a:off x="3095214" y="2537697"/>
+            <a:ext cx="1156420" cy="369332"/>
+          </a:xfrm>
+          <a:prstGeom prst="rect">
+            <a:avLst/>
+          </a:prstGeom>
+          <a:noFill/>
+          <a:ln w="57150">
+            <a:solidFill>
+              <a:schemeClr val="tx1"/>
+            </a:solidFill>
+          </a:ln>
+        </p:spPr>
+        <p:txBody>
+          <a:bodyPr wrap="square" rtlCol="0">
+            <a:spAutoFit/>
+          </a:bodyPr>
+          <a:lstStyle/>
+          <a:p>
+            <a:pPr algn="ctr"/>
+            <a:r>
+              <a:rPr lang="en-CA" dirty="0"/>
+              <a:t>Explore</a:t>
+            </a:r>
+          </a:p>
+        </p:txBody>
+      </p:sp>
+      <p:sp>
+        <p:nvSpPr>
+          <p:cNvPr id="10" name="TextBox 9">
+            <a:extLst>
+              <a:ext uri="{FF2B5EF4-FFF2-40B4-BE49-F238E27FC236}">
+                <a16:creationId xmlns:a16="http://schemas.microsoft.com/office/drawing/2014/main" id="{6E385922-2754-4693-BA33-C8E3445C1EC7}"/>
+              </a:ext>
+            </a:extLst>
+          </p:cNvPr>
+          <p:cNvSpPr txBox="1"/>
+          <p:nvPr/>
+        </p:nvSpPr>
+        <p:spPr>
+          <a:xfrm>
+            <a:off x="1242341" y="2542780"/>
+            <a:ext cx="1392702" cy="369332"/>
+          </a:xfrm>
+          <a:prstGeom prst="rect">
+            <a:avLst/>
+          </a:prstGeom>
+          <a:noFill/>
+          <a:ln w="57150">
+            <a:solidFill>
+              <a:schemeClr val="tx1"/>
+            </a:solidFill>
+          </a:ln>
+        </p:spPr>
+        <p:txBody>
+          <a:bodyPr wrap="square" rtlCol="0">
+            <a:spAutoFit/>
+          </a:bodyPr>
+          <a:lstStyle/>
+          <a:p>
+            <a:pPr algn="ctr"/>
+            <a:r>
+              <a:rPr lang="en-CA" dirty="0"/>
+              <a:t>Model</a:t>
+            </a:r>
+          </a:p>
+        </p:txBody>
+      </p:sp>
+      <p:sp>
+        <p:nvSpPr>
+          <p:cNvPr id="11" name="TextBox 10">
+            <a:extLst>
+              <a:ext uri="{FF2B5EF4-FFF2-40B4-BE49-F238E27FC236}">
+                <a16:creationId xmlns:a16="http://schemas.microsoft.com/office/drawing/2014/main" id="{FC5D476D-1ED9-43FA-B5A8-AAC85425C851}"/>
+              </a:ext>
+            </a:extLst>
+          </p:cNvPr>
+          <p:cNvSpPr txBox="1"/>
+          <p:nvPr/>
+        </p:nvSpPr>
+        <p:spPr>
+          <a:xfrm>
+            <a:off x="1276691" y="3307427"/>
+            <a:ext cx="1324002" cy="369332"/>
+          </a:xfrm>
+          <a:prstGeom prst="rect">
+            <a:avLst/>
+          </a:prstGeom>
+          <a:noFill/>
+          <a:ln w="57150">
+            <a:solidFill>
+              <a:schemeClr val="tx1"/>
+            </a:solidFill>
+          </a:ln>
+        </p:spPr>
+        <p:txBody>
+          <a:bodyPr wrap="square" rtlCol="0">
+            <a:spAutoFit/>
+          </a:bodyPr>
+          <a:lstStyle/>
+          <a:p>
+            <a:pPr algn="ctr"/>
+            <a:r>
+              <a:rPr lang="en-CA" dirty="0"/>
+              <a:t>Interpret</a:t>
+            </a:r>
+          </a:p>
+        </p:txBody>
+      </p:sp>
+      <p:sp>
+        <p:nvSpPr>
+          <p:cNvPr id="12" name="TextBox 11">
+            <a:extLst>
+              <a:ext uri="{FF2B5EF4-FFF2-40B4-BE49-F238E27FC236}">
+                <a16:creationId xmlns:a16="http://schemas.microsoft.com/office/drawing/2014/main" id="{421789FA-DF4B-4BB1-9B35-4BC66B19DB28}"/>
+              </a:ext>
+            </a:extLst>
+          </p:cNvPr>
+          <p:cNvSpPr txBox="1"/>
+          <p:nvPr/>
+        </p:nvSpPr>
+        <p:spPr>
+          <a:xfrm>
+            <a:off x="3126238" y="3318129"/>
+            <a:ext cx="1540411" cy="369332"/>
+          </a:xfrm>
+          <a:prstGeom prst="rect">
+            <a:avLst/>
+          </a:prstGeom>
+          <a:noFill/>
+          <a:ln w="57150">
+            <a:solidFill>
+              <a:schemeClr val="tx1"/>
+            </a:solidFill>
+          </a:ln>
+        </p:spPr>
+        <p:txBody>
+          <a:bodyPr wrap="square" rtlCol="0">
+            <a:spAutoFit/>
+          </a:bodyPr>
+          <a:lstStyle/>
+          <a:p>
+            <a:pPr algn="ctr"/>
+            <a:r>
+              <a:rPr lang="en-CA" dirty="0"/>
+              <a:t>Communicate</a:t>
+            </a:r>
+          </a:p>
+        </p:txBody>
+      </p:sp>
+      <p:sp>
+        <p:nvSpPr>
+          <p:cNvPr id="13" name="Arrow: Right 12">
+            <a:extLst>
+              <a:ext uri="{FF2B5EF4-FFF2-40B4-BE49-F238E27FC236}">
+                <a16:creationId xmlns:a16="http://schemas.microsoft.com/office/drawing/2014/main" id="{8B59A1D1-4B64-455D-BB87-13CF75C8EAD7}"/>
+              </a:ext>
+            </a:extLst>
+          </p:cNvPr>
+          <p:cNvSpPr/>
+          <p:nvPr/>
+        </p:nvSpPr>
+        <p:spPr>
+          <a:xfrm>
+            <a:off x="4328190" y="1826624"/>
+            <a:ext cx="487453" cy="308706"/>
+          </a:xfrm>
+          <a:prstGeom prst="rightArrow">
+            <a:avLst/>
+          </a:prstGeom>
+        </p:spPr>
+        <p:style>
+          <a:lnRef idx="2">
+            <a:schemeClr val="dk1">
+              <a:shade val="50000"/>
+            </a:schemeClr>
+          </a:lnRef>
+          <a:fillRef idx="1">
+            <a:schemeClr val="dk1"/>
+          </a:fillRef>
+          <a:effectRef idx="0">
+            <a:schemeClr val="dk1"/>
+          </a:effectRef>
+          <a:fontRef idx="minor">
+            <a:schemeClr val="lt1"/>
+          </a:fontRef>
+        </p:style>
+        <p:txBody>
+          <a:bodyPr rtlCol="0" anchor="ctr"/>
+          <a:lstStyle/>
+          <a:p>
+            <a:pPr algn="ctr"/>
+            <a:endParaRPr lang="en-CA"/>
+          </a:p>
+        </p:txBody>
+      </p:sp>
+      <p:sp>
+        <p:nvSpPr>
+          <p:cNvPr id="14" name="Arrow: Right 13">
+            <a:extLst>
+              <a:ext uri="{FF2B5EF4-FFF2-40B4-BE49-F238E27FC236}">
+                <a16:creationId xmlns:a16="http://schemas.microsoft.com/office/drawing/2014/main" id="{F1FD9E65-A2AF-40B8-8BF6-3964E7B3D381}"/>
+              </a:ext>
+            </a:extLst>
+          </p:cNvPr>
+          <p:cNvSpPr/>
+          <p:nvPr/>
+        </p:nvSpPr>
+        <p:spPr>
+          <a:xfrm rot="5400000">
+            <a:off x="5352652" y="2199968"/>
+            <a:ext cx="359288" cy="316171"/>
+          </a:xfrm>
+          <a:prstGeom prst="rightArrow">
+            <a:avLst/>
+          </a:prstGeom>
+        </p:spPr>
+        <p:style>
+          <a:lnRef idx="2">
+            <a:schemeClr val="dk1">
+              <a:shade val="50000"/>
+            </a:schemeClr>
+          </a:lnRef>
+          <a:fillRef idx="1">
+            <a:schemeClr val="dk1"/>
+          </a:fillRef>
+          <a:effectRef idx="0">
+            <a:schemeClr val="dk1"/>
+          </a:effectRef>
+          <a:fontRef idx="minor">
+            <a:schemeClr val="lt1"/>
+          </a:fontRef>
+        </p:style>
+        <p:txBody>
+          <a:bodyPr rtlCol="0" anchor="ctr"/>
+          <a:lstStyle/>
+          <a:p>
+            <a:pPr algn="ctr"/>
+            <a:endParaRPr lang="en-CA"/>
+          </a:p>
+        </p:txBody>
+      </p:sp>
+      <p:sp>
+        <p:nvSpPr>
+          <p:cNvPr id="15" name="Arrow: Right 14">
+            <a:extLst>
+              <a:ext uri="{FF2B5EF4-FFF2-40B4-BE49-F238E27FC236}">
+                <a16:creationId xmlns:a16="http://schemas.microsoft.com/office/drawing/2014/main" id="{EB6D75F2-3F93-4E0F-94E2-A3EABE514F90}"/>
+              </a:ext>
+            </a:extLst>
+          </p:cNvPr>
+          <p:cNvSpPr/>
+          <p:nvPr/>
+        </p:nvSpPr>
+        <p:spPr>
+          <a:xfrm rot="10800000">
+            <a:off x="4282842" y="2510393"/>
+            <a:ext cx="508770" cy="216827"/>
+          </a:xfrm>
+          <a:prstGeom prst="rightArrow">
+            <a:avLst/>
+          </a:prstGeom>
+        </p:spPr>
+        <p:style>
+          <a:lnRef idx="2">
+            <a:schemeClr val="dk1">
+              <a:shade val="50000"/>
+            </a:schemeClr>
+          </a:lnRef>
+          <a:fillRef idx="1">
+            <a:schemeClr val="dk1"/>
+          </a:fillRef>
+          <a:effectRef idx="0">
+            <a:schemeClr val="dk1"/>
+          </a:effectRef>
+          <a:fontRef idx="minor">
+            <a:schemeClr val="lt1"/>
+          </a:fontRef>
+        </p:style>
+        <p:txBody>
+          <a:bodyPr rtlCol="0" anchor="ctr"/>
+          <a:lstStyle/>
+          <a:p>
+            <a:pPr algn="ctr"/>
+            <a:endParaRPr lang="en-CA"/>
+          </a:p>
+        </p:txBody>
+      </p:sp>
+      <p:sp>
+        <p:nvSpPr>
+          <p:cNvPr id="16" name="Arrow: Right 15">
+            <a:extLst>
+              <a:ext uri="{FF2B5EF4-FFF2-40B4-BE49-F238E27FC236}">
+                <a16:creationId xmlns:a16="http://schemas.microsoft.com/office/drawing/2014/main" id="{62215F0E-4CF8-46D8-9CEC-DA1B4B77A62D}"/>
+              </a:ext>
+            </a:extLst>
+          </p:cNvPr>
+          <p:cNvSpPr/>
+          <p:nvPr/>
+        </p:nvSpPr>
+        <p:spPr>
+          <a:xfrm rot="10800000">
+            <a:off x="2669096" y="2569358"/>
+            <a:ext cx="409092" cy="335878"/>
+          </a:xfrm>
+          <a:prstGeom prst="rightArrow">
+            <a:avLst/>
+          </a:prstGeom>
+        </p:spPr>
+        <p:style>
+          <a:lnRef idx="2">
+            <a:schemeClr val="dk1">
+              <a:shade val="50000"/>
+            </a:schemeClr>
+          </a:lnRef>
+          <a:fillRef idx="1">
+            <a:schemeClr val="dk1"/>
+          </a:fillRef>
+          <a:effectRef idx="0">
+            <a:schemeClr val="dk1"/>
+          </a:effectRef>
+          <a:fontRef idx="minor">
+            <a:schemeClr val="lt1"/>
+          </a:fontRef>
+        </p:style>
+        <p:txBody>
+          <a:bodyPr rtlCol="0" anchor="ctr"/>
+          <a:lstStyle/>
+          <a:p>
+            <a:pPr algn="ctr"/>
+            <a:endParaRPr lang="en-CA"/>
+          </a:p>
+        </p:txBody>
+      </p:sp>
+      <p:sp>
+        <p:nvSpPr>
+          <p:cNvPr id="17" name="Arrow: Right 16">
+            <a:extLst>
+              <a:ext uri="{FF2B5EF4-FFF2-40B4-BE49-F238E27FC236}">
+                <a16:creationId xmlns:a16="http://schemas.microsoft.com/office/drawing/2014/main" id="{9A593C4C-66DF-43B3-A040-8CDF054DCF24}"/>
+              </a:ext>
+            </a:extLst>
+          </p:cNvPr>
+          <p:cNvSpPr/>
+          <p:nvPr/>
+        </p:nvSpPr>
+        <p:spPr>
+          <a:xfrm>
+            <a:off x="2622752" y="3324249"/>
+            <a:ext cx="455435" cy="335878"/>
+          </a:xfrm>
+          <a:prstGeom prst="rightArrow">
+            <a:avLst/>
+          </a:prstGeom>
+        </p:spPr>
+        <p:style>
+          <a:lnRef idx="2">
+            <a:schemeClr val="dk1">
+              <a:shade val="50000"/>
+            </a:schemeClr>
+          </a:lnRef>
+          <a:fillRef idx="1">
+            <a:schemeClr val="dk1"/>
+          </a:fillRef>
+          <a:effectRef idx="0">
+            <a:schemeClr val="dk1"/>
+          </a:effectRef>
+          <a:fontRef idx="minor">
+            <a:schemeClr val="lt1"/>
+          </a:fontRef>
+        </p:style>
+        <p:txBody>
+          <a:bodyPr rtlCol="0" anchor="ctr"/>
+          <a:lstStyle/>
+          <a:p>
+            <a:pPr algn="ctr"/>
+            <a:endParaRPr lang="en-CA"/>
+          </a:p>
+        </p:txBody>
+      </p:sp>
+      <p:sp>
+        <p:nvSpPr>
+          <p:cNvPr id="18" name="Arrow: Right 17">
+            <a:extLst>
+              <a:ext uri="{FF2B5EF4-FFF2-40B4-BE49-F238E27FC236}">
+                <a16:creationId xmlns:a16="http://schemas.microsoft.com/office/drawing/2014/main" id="{17A2F574-8AA0-4810-9094-AFB4B1ABEB9F}"/>
+              </a:ext>
+            </a:extLst>
+          </p:cNvPr>
+          <p:cNvSpPr/>
+          <p:nvPr/>
+        </p:nvSpPr>
+        <p:spPr>
+          <a:xfrm>
+            <a:off x="4285686" y="2747000"/>
+            <a:ext cx="508770" cy="216827"/>
+          </a:xfrm>
+          <a:prstGeom prst="rightArrow">
+            <a:avLst/>
+          </a:prstGeom>
+        </p:spPr>
+        <p:style>
+          <a:lnRef idx="2">
+            <a:schemeClr val="dk1">
+              <a:shade val="50000"/>
+            </a:schemeClr>
+          </a:lnRef>
+          <a:fillRef idx="1">
+            <a:schemeClr val="dk1"/>
+          </a:fillRef>
+          <a:effectRef idx="0">
+            <a:schemeClr val="dk1"/>
+          </a:effectRef>
+          <a:fontRef idx="minor">
+            <a:schemeClr val="lt1"/>
+          </a:fontRef>
+        </p:style>
+        <p:txBody>
+          <a:bodyPr rtlCol="0" anchor="ctr"/>
+          <a:lstStyle/>
+          <a:p>
+            <a:pPr algn="ctr"/>
+            <a:endParaRPr lang="en-CA"/>
+          </a:p>
+        </p:txBody>
+      </p:sp>
+      <p:sp>
+        <p:nvSpPr>
+          <p:cNvPr id="19" name="Arrow: Right 18">
+            <a:extLst>
+              <a:ext uri="{FF2B5EF4-FFF2-40B4-BE49-F238E27FC236}">
+                <a16:creationId xmlns:a16="http://schemas.microsoft.com/office/drawing/2014/main" id="{863C182C-873E-4361-9347-5EA79C7B15E0}"/>
+              </a:ext>
+            </a:extLst>
+          </p:cNvPr>
+          <p:cNvSpPr/>
+          <p:nvPr/>
+        </p:nvSpPr>
+        <p:spPr>
+          <a:xfrm rot="5400000">
+            <a:off x="1738338" y="2963822"/>
+            <a:ext cx="359288" cy="316171"/>
+          </a:xfrm>
+          <a:prstGeom prst="rightArrow">
+            <a:avLst/>
+          </a:prstGeom>
+        </p:spPr>
+        <p:style>
+          <a:lnRef idx="2">
+            <a:schemeClr val="dk1">
+              <a:shade val="50000"/>
+            </a:schemeClr>
+          </a:lnRef>
+          <a:fillRef idx="1">
+            <a:schemeClr val="dk1"/>
+          </a:fillRef>
+          <a:effectRef idx="0">
+            <a:schemeClr val="dk1"/>
+          </a:effectRef>
+          <a:fontRef idx="minor">
+            <a:schemeClr val="lt1"/>
+          </a:fontRef>
+        </p:style>
+        <p:txBody>
+          <a:bodyPr rtlCol="0" anchor="ctr"/>
+          <a:lstStyle/>
+          <a:p>
+            <a:pPr algn="ctr"/>
+            <a:endParaRPr lang="en-CA"/>
+          </a:p>
+        </p:txBody>
+      </p:sp>
+    </p:spTree>
+    <p:extLst>
+      <p:ext uri="{BB962C8B-B14F-4D97-AF65-F5344CB8AC3E}">
+        <p14:creationId xmlns:p14="http://schemas.microsoft.com/office/powerpoint/2010/main" val="4120789013"/>
+      </p:ext>
+    </p:extLst>
+  </p:cSld>
+  <p:clrMapOvr>
+    <a:masterClrMapping/>
+  </p:clrMapOvr>
+</p:sld>
+</file>
+
+<file path=ppt/slides/slide4.xml><?xml version="1.0" encoding="utf-8"?>
+<p:sld xmlns:a="http://schemas.openxmlformats.org/drawingml/2006/main" xmlns:r="http://schemas.openxmlformats.org/officeDocument/2006/relationships" xmlns:p="http://schemas.openxmlformats.org/presentationml/2006/main">
+  <p:cSld>
+    <p:spTree>
+      <p:nvGrpSpPr>
+        <p:cNvPr id="1" name=""/>
+        <p:cNvGrpSpPr/>
+        <p:nvPr/>
+      </p:nvGrpSpPr>
+      <p:grpSpPr>
+        <a:xfrm>
+          <a:off x="0" y="0"/>
+          <a:ext cx="0" cy="0"/>
+          <a:chOff x="0" y="0"/>
+          <a:chExt cx="0" cy="0"/>
+        </a:xfrm>
+      </p:grpSpPr>
+      <p:sp>
+        <p:nvSpPr>
+          <p:cNvPr id="2" name="Rectangle 1">
+            <a:extLst>
+              <a:ext uri="{FF2B5EF4-FFF2-40B4-BE49-F238E27FC236}">
+                <a16:creationId xmlns:a16="http://schemas.microsoft.com/office/drawing/2014/main" id="{CE6ED59F-BDCC-4B24-A64D-BEA7B64FDADC}"/>
+              </a:ext>
+            </a:extLst>
+          </p:cNvPr>
+          <p:cNvSpPr/>
+          <p:nvPr/>
+        </p:nvSpPr>
+        <p:spPr>
+          <a:xfrm>
+            <a:off x="0" y="2237"/>
+            <a:ext cx="7315200" cy="5375871"/>
+          </a:xfrm>
+          <a:prstGeom prst="rect">
+            <a:avLst/>
+          </a:prstGeom>
+          <a:noFill/>
+          <a:ln>
+            <a:noFill/>
+          </a:ln>
+        </p:spPr>
+        <p:style>
+          <a:lnRef idx="2">
+            <a:schemeClr val="accent1">
+              <a:shade val="50000"/>
+            </a:schemeClr>
+          </a:lnRef>
+          <a:fillRef idx="1">
+            <a:schemeClr val="accent1"/>
+          </a:fillRef>
+          <a:effectRef idx="0">
+            <a:schemeClr val="accent1"/>
+          </a:effectRef>
+          <a:fontRef idx="minor">
+            <a:schemeClr val="lt1"/>
+          </a:fontRef>
+        </p:style>
+        <p:txBody>
+          <a:bodyPr rtlCol="0" anchor="ctr"/>
+          <a:lstStyle/>
+          <a:p>
+            <a:pPr algn="ctr"/>
+            <a:endParaRPr lang="en-US">
+              <a:latin typeface="Arial" panose="020B0604020202020204" pitchFamily="34" charset="0"/>
+              <a:cs typeface="Arial" panose="020B0604020202020204" pitchFamily="34" charset="0"/>
+            </a:endParaRPr>
+          </a:p>
+        </p:txBody>
+      </p:sp>
+      <p:sp>
+        <p:nvSpPr>
+          <p:cNvPr id="3" name="Rectangle 2">
+            <a:extLst>
+              <a:ext uri="{FF2B5EF4-FFF2-40B4-BE49-F238E27FC236}">
+                <a16:creationId xmlns:a16="http://schemas.microsoft.com/office/drawing/2014/main" id="{9C541E15-C52E-4946-86C8-5A930995CA8E}"/>
+              </a:ext>
+            </a:extLst>
+          </p:cNvPr>
+          <p:cNvSpPr/>
+          <p:nvPr/>
+        </p:nvSpPr>
+        <p:spPr>
+          <a:xfrm>
+            <a:off x="0" y="629162"/>
+            <a:ext cx="7315200" cy="4114800"/>
+          </a:xfrm>
+          <a:prstGeom prst="rect">
+            <a:avLst/>
+          </a:prstGeom>
+          <a:noFill/>
+          <a:ln>
+            <a:noFill/>
+          </a:ln>
+        </p:spPr>
+        <p:style>
+          <a:lnRef idx="2">
+            <a:schemeClr val="accent3">
+              <a:shade val="50000"/>
+            </a:schemeClr>
+          </a:lnRef>
+          <a:fillRef idx="1">
+            <a:schemeClr val="accent3"/>
+          </a:fillRef>
+          <a:effectRef idx="0">
+            <a:schemeClr val="accent3"/>
+          </a:effectRef>
+          <a:fontRef idx="minor">
+            <a:schemeClr val="lt1"/>
+          </a:fontRef>
+        </p:style>
+        <p:txBody>
+          <a:bodyPr rtlCol="0" anchor="ctr"/>
+          <a:lstStyle/>
+          <a:p>
+            <a:pPr algn="ctr"/>
+            <a:endParaRPr lang="en-US" dirty="0">
+              <a:solidFill>
+                <a:schemeClr val="accent2"/>
+              </a:solidFill>
+              <a:latin typeface="Arial" panose="020B0604020202020204" pitchFamily="34" charset="0"/>
+              <a:cs typeface="Arial" panose="020B0604020202020204" pitchFamily="34" charset="0"/>
+            </a:endParaRPr>
+          </a:p>
+        </p:txBody>
+      </p:sp>
+      <p:sp>
+        <p:nvSpPr>
+          <p:cNvPr id="4" name="Rectangle 3">
+            <a:extLst>
+              <a:ext uri="{FF2B5EF4-FFF2-40B4-BE49-F238E27FC236}">
+                <a16:creationId xmlns:a16="http://schemas.microsoft.com/office/drawing/2014/main" id="{AF976D86-7A0F-4F93-B889-41D7A13486BA}"/>
+              </a:ext>
+            </a:extLst>
+          </p:cNvPr>
+          <p:cNvSpPr/>
+          <p:nvPr/>
+        </p:nvSpPr>
+        <p:spPr>
+          <a:xfrm>
+            <a:off x="7176" y="1427346"/>
+            <a:ext cx="7315200" cy="2560320"/>
+          </a:xfrm>
+          <a:prstGeom prst="rect">
+            <a:avLst/>
+          </a:prstGeom>
+          <a:noFill/>
+          <a:ln>
+            <a:noFill/>
+          </a:ln>
+        </p:spPr>
+        <p:style>
+          <a:lnRef idx="2">
+            <a:schemeClr val="accent1">
+              <a:shade val="50000"/>
+            </a:schemeClr>
+          </a:lnRef>
+          <a:fillRef idx="1">
+            <a:schemeClr val="accent1"/>
+          </a:fillRef>
+          <a:effectRef idx="0">
+            <a:schemeClr val="accent1"/>
+          </a:effectRef>
+          <a:fontRef idx="minor">
+            <a:schemeClr val="lt1"/>
+          </a:fontRef>
+        </p:style>
+        <p:txBody>
+          <a:bodyPr rtlCol="0" anchor="ctr"/>
+          <a:lstStyle/>
+          <a:p>
+            <a:pPr algn="ctr"/>
+            <a:endParaRPr lang="en-US">
+              <a:latin typeface="Arial" panose="020B0604020202020204" pitchFamily="34" charset="0"/>
+              <a:cs typeface="Arial" panose="020B0604020202020204" pitchFamily="34" charset="0"/>
+            </a:endParaRPr>
+          </a:p>
+        </p:txBody>
+      </p:sp>
+      <p:pic>
+        <p:nvPicPr>
+          <p:cNvPr id="5" name="Picture 4" descr="A close up of a keyboard&#10;&#10;Description automatically generated">
+            <a:extLst>
+              <a:ext uri="{FF2B5EF4-FFF2-40B4-BE49-F238E27FC236}">
+                <a16:creationId xmlns:a16="http://schemas.microsoft.com/office/drawing/2014/main" id="{A7AF8315-027E-4F30-AB49-EF23C2ECB5D0}"/>
+              </a:ext>
+            </a:extLst>
+          </p:cNvPr>
+          <p:cNvPicPr>
+            <a:picLocks noChangeAspect="1"/>
+          </p:cNvPicPr>
+          <p:nvPr/>
+        </p:nvPicPr>
+        <p:blipFill>
+          <a:blip r:embed="rId2">
+            <a:extLst>
+              <a:ext uri="{28A0092B-C50C-407E-A947-70E740481C1C}">
+                <a14:useLocalDpi xmlns:a14="http://schemas.microsoft.com/office/drawing/2010/main" val="0"/>
+              </a:ext>
+            </a:extLst>
+          </a:blip>
+          <a:stretch>
+            <a:fillRect/>
+          </a:stretch>
+        </p:blipFill>
+        <p:spPr>
+          <a:xfrm>
+            <a:off x="1064146" y="1546460"/>
+            <a:ext cx="1711036" cy="748578"/>
+          </a:xfrm>
+          <a:prstGeom prst="rect">
+            <a:avLst/>
+          </a:prstGeom>
+        </p:spPr>
+      </p:pic>
+      <p:sp>
+        <p:nvSpPr>
+          <p:cNvPr id="6" name="TextBox 5">
+            <a:extLst>
+              <a:ext uri="{FF2B5EF4-FFF2-40B4-BE49-F238E27FC236}">
+                <a16:creationId xmlns:a16="http://schemas.microsoft.com/office/drawing/2014/main" id="{22D4C7F7-9AB9-4184-B87E-A3012BB00518}"/>
+              </a:ext>
+            </a:extLst>
+          </p:cNvPr>
+          <p:cNvSpPr txBox="1"/>
+          <p:nvPr/>
+        </p:nvSpPr>
+        <p:spPr>
+          <a:xfrm>
+            <a:off x="2935489" y="1796311"/>
+            <a:ext cx="1392702" cy="369332"/>
+          </a:xfrm>
+          <a:prstGeom prst="rect">
+            <a:avLst/>
+          </a:prstGeom>
+          <a:noFill/>
+          <a:ln w="57150">
+            <a:solidFill>
+              <a:schemeClr val="tx1"/>
+            </a:solidFill>
+          </a:ln>
+        </p:spPr>
+        <p:txBody>
+          <a:bodyPr wrap="square" rtlCol="0">
+            <a:spAutoFit/>
+          </a:bodyPr>
+          <a:lstStyle/>
+          <a:p>
+            <a:pPr algn="ctr"/>
+            <a:r>
+              <a:rPr lang="en-CA" dirty="0"/>
+              <a:t>Collect data</a:t>
+            </a:r>
+          </a:p>
+        </p:txBody>
+      </p:sp>
+      <p:sp>
+        <p:nvSpPr>
+          <p:cNvPr id="7" name="TextBox 6">
+            <a:extLst>
+              <a:ext uri="{FF2B5EF4-FFF2-40B4-BE49-F238E27FC236}">
+                <a16:creationId xmlns:a16="http://schemas.microsoft.com/office/drawing/2014/main" id="{F967E200-63C0-46CE-AE13-1DCB3E3140DA}"/>
+              </a:ext>
+            </a:extLst>
+          </p:cNvPr>
+          <p:cNvSpPr txBox="1"/>
+          <p:nvPr/>
+        </p:nvSpPr>
+        <p:spPr>
+          <a:xfrm>
+            <a:off x="4822820" y="1796311"/>
+            <a:ext cx="1392702" cy="369332"/>
+          </a:xfrm>
+          <a:prstGeom prst="rect">
+            <a:avLst/>
+          </a:prstGeom>
+          <a:noFill/>
+          <a:ln w="57150">
+            <a:solidFill>
+              <a:schemeClr val="tx1"/>
+            </a:solidFill>
+          </a:ln>
+        </p:spPr>
+        <p:txBody>
+          <a:bodyPr wrap="square" rtlCol="0">
+            <a:spAutoFit/>
+          </a:bodyPr>
+          <a:lstStyle/>
+          <a:p>
+            <a:pPr algn="ctr"/>
+            <a:r>
+              <a:rPr lang="en-CA" dirty="0"/>
+              <a:t>Import to R</a:t>
+            </a:r>
+          </a:p>
+        </p:txBody>
+      </p:sp>
+      <p:sp>
+        <p:nvSpPr>
+          <p:cNvPr id="8" name="TextBox 7">
+            <a:extLst>
+              <a:ext uri="{FF2B5EF4-FFF2-40B4-BE49-F238E27FC236}">
+                <a16:creationId xmlns:a16="http://schemas.microsoft.com/office/drawing/2014/main" id="{A1B0F0E9-59DD-4C09-8A14-7420D1297404}"/>
+              </a:ext>
+            </a:extLst>
+          </p:cNvPr>
+          <p:cNvSpPr txBox="1"/>
+          <p:nvPr/>
+        </p:nvSpPr>
+        <p:spPr>
+          <a:xfrm>
+            <a:off x="4822820" y="2537698"/>
+            <a:ext cx="1392702" cy="646331"/>
+          </a:xfrm>
+          <a:prstGeom prst="rect">
+            <a:avLst/>
+          </a:prstGeom>
+          <a:noFill/>
+          <a:ln w="57150">
+            <a:solidFill>
+              <a:srgbClr val="00B0F0"/>
+            </a:solidFill>
+          </a:ln>
+        </p:spPr>
+        <p:txBody>
+          <a:bodyPr wrap="square" rtlCol="0">
+            <a:spAutoFit/>
+          </a:bodyPr>
+          <a:lstStyle/>
+          <a:p>
+            <a:pPr algn="ctr"/>
+            <a:r>
+              <a:rPr lang="en-CA" b="1" dirty="0"/>
+              <a:t>Clean &amp; Transform</a:t>
+            </a:r>
+          </a:p>
+        </p:txBody>
+      </p:sp>
+      <p:sp>
+        <p:nvSpPr>
+          <p:cNvPr id="9" name="TextBox 8">
+            <a:extLst>
+              <a:ext uri="{FF2B5EF4-FFF2-40B4-BE49-F238E27FC236}">
+                <a16:creationId xmlns:a16="http://schemas.microsoft.com/office/drawing/2014/main" id="{6A1BF402-BF31-4AD5-9C88-2798E1DE7C38}"/>
+              </a:ext>
+            </a:extLst>
+          </p:cNvPr>
+          <p:cNvSpPr txBox="1"/>
+          <p:nvPr/>
+        </p:nvSpPr>
+        <p:spPr>
+          <a:xfrm>
+            <a:off x="3095214" y="2537697"/>
+            <a:ext cx="1156420" cy="369332"/>
+          </a:xfrm>
+          <a:prstGeom prst="rect">
+            <a:avLst/>
+          </a:prstGeom>
+          <a:noFill/>
+          <a:ln w="57150">
+            <a:solidFill>
+              <a:schemeClr val="tx1"/>
+            </a:solidFill>
+          </a:ln>
+        </p:spPr>
+        <p:txBody>
+          <a:bodyPr wrap="square" rtlCol="0">
+            <a:spAutoFit/>
+          </a:bodyPr>
+          <a:lstStyle/>
+          <a:p>
+            <a:pPr algn="ctr"/>
+            <a:r>
+              <a:rPr lang="en-CA" dirty="0"/>
+              <a:t>Explore</a:t>
+            </a:r>
+          </a:p>
+        </p:txBody>
+      </p:sp>
+      <p:sp>
+        <p:nvSpPr>
+          <p:cNvPr id="10" name="TextBox 9">
+            <a:extLst>
+              <a:ext uri="{FF2B5EF4-FFF2-40B4-BE49-F238E27FC236}">
+                <a16:creationId xmlns:a16="http://schemas.microsoft.com/office/drawing/2014/main" id="{4C3D18B4-5FB9-4B3C-BE63-78FC24B02DBF}"/>
+              </a:ext>
+            </a:extLst>
+          </p:cNvPr>
+          <p:cNvSpPr txBox="1"/>
+          <p:nvPr/>
+        </p:nvSpPr>
+        <p:spPr>
+          <a:xfrm>
+            <a:off x="1242341" y="2542780"/>
+            <a:ext cx="1392702" cy="369332"/>
+          </a:xfrm>
+          <a:prstGeom prst="rect">
+            <a:avLst/>
+          </a:prstGeom>
+          <a:noFill/>
+          <a:ln w="57150">
+            <a:solidFill>
+              <a:schemeClr val="tx1"/>
+            </a:solidFill>
+          </a:ln>
+        </p:spPr>
+        <p:txBody>
+          <a:bodyPr wrap="square" rtlCol="0">
+            <a:spAutoFit/>
+          </a:bodyPr>
+          <a:lstStyle/>
+          <a:p>
+            <a:pPr algn="ctr"/>
+            <a:r>
+              <a:rPr lang="en-CA" dirty="0"/>
+              <a:t>Model</a:t>
+            </a:r>
+          </a:p>
+        </p:txBody>
+      </p:sp>
+      <p:sp>
+        <p:nvSpPr>
+          <p:cNvPr id="11" name="TextBox 10">
+            <a:extLst>
+              <a:ext uri="{FF2B5EF4-FFF2-40B4-BE49-F238E27FC236}">
+                <a16:creationId xmlns:a16="http://schemas.microsoft.com/office/drawing/2014/main" id="{5BF8218E-3E28-46EF-AD51-09E07EF41A2C}"/>
+              </a:ext>
+            </a:extLst>
+          </p:cNvPr>
+          <p:cNvSpPr txBox="1"/>
+          <p:nvPr/>
+        </p:nvSpPr>
+        <p:spPr>
+          <a:xfrm>
+            <a:off x="1276691" y="3307427"/>
+            <a:ext cx="1324002" cy="369332"/>
+          </a:xfrm>
+          <a:prstGeom prst="rect">
+            <a:avLst/>
+          </a:prstGeom>
+          <a:noFill/>
+          <a:ln w="57150">
+            <a:solidFill>
+              <a:schemeClr val="tx1"/>
+            </a:solidFill>
+          </a:ln>
+        </p:spPr>
+        <p:txBody>
+          <a:bodyPr wrap="square" rtlCol="0">
+            <a:spAutoFit/>
+          </a:bodyPr>
+          <a:lstStyle/>
+          <a:p>
+            <a:pPr algn="ctr"/>
+            <a:r>
+              <a:rPr lang="en-CA" dirty="0"/>
+              <a:t>Interpret</a:t>
+            </a:r>
+          </a:p>
+        </p:txBody>
+      </p:sp>
+      <p:sp>
+        <p:nvSpPr>
+          <p:cNvPr id="12" name="TextBox 11">
+            <a:extLst>
+              <a:ext uri="{FF2B5EF4-FFF2-40B4-BE49-F238E27FC236}">
+                <a16:creationId xmlns:a16="http://schemas.microsoft.com/office/drawing/2014/main" id="{F433924C-75D6-468A-A734-D19E13561C69}"/>
+              </a:ext>
+            </a:extLst>
+          </p:cNvPr>
+          <p:cNvSpPr txBox="1"/>
+          <p:nvPr/>
+        </p:nvSpPr>
+        <p:spPr>
+          <a:xfrm>
+            <a:off x="3126238" y="3318129"/>
+            <a:ext cx="1540411" cy="369332"/>
+          </a:xfrm>
+          <a:prstGeom prst="rect">
+            <a:avLst/>
+          </a:prstGeom>
+          <a:noFill/>
+          <a:ln w="57150">
+            <a:solidFill>
+              <a:schemeClr val="tx1"/>
+            </a:solidFill>
+          </a:ln>
+        </p:spPr>
+        <p:txBody>
+          <a:bodyPr wrap="square" rtlCol="0">
+            <a:spAutoFit/>
+          </a:bodyPr>
+          <a:lstStyle/>
+          <a:p>
+            <a:pPr algn="ctr"/>
+            <a:r>
+              <a:rPr lang="en-CA" dirty="0"/>
+              <a:t>Communicate</a:t>
+            </a:r>
+          </a:p>
+        </p:txBody>
+      </p:sp>
+      <p:sp>
+        <p:nvSpPr>
+          <p:cNvPr id="13" name="Arrow: Right 12">
+            <a:extLst>
+              <a:ext uri="{FF2B5EF4-FFF2-40B4-BE49-F238E27FC236}">
+                <a16:creationId xmlns:a16="http://schemas.microsoft.com/office/drawing/2014/main" id="{37DE6D50-7BB2-40DA-9181-ABC28CBC6B1A}"/>
+              </a:ext>
+            </a:extLst>
+          </p:cNvPr>
+          <p:cNvSpPr/>
+          <p:nvPr/>
+        </p:nvSpPr>
+        <p:spPr>
+          <a:xfrm>
+            <a:off x="4328190" y="1826624"/>
+            <a:ext cx="487453" cy="308706"/>
+          </a:xfrm>
+          <a:prstGeom prst="rightArrow">
+            <a:avLst/>
+          </a:prstGeom>
+        </p:spPr>
+        <p:style>
+          <a:lnRef idx="2">
+            <a:schemeClr val="dk1">
+              <a:shade val="50000"/>
+            </a:schemeClr>
+          </a:lnRef>
+          <a:fillRef idx="1">
+            <a:schemeClr val="dk1"/>
+          </a:fillRef>
+          <a:effectRef idx="0">
+            <a:schemeClr val="dk1"/>
+          </a:effectRef>
+          <a:fontRef idx="minor">
+            <a:schemeClr val="lt1"/>
+          </a:fontRef>
+        </p:style>
+        <p:txBody>
+          <a:bodyPr rtlCol="0" anchor="ctr"/>
+          <a:lstStyle/>
+          <a:p>
+            <a:pPr algn="ctr"/>
+            <a:endParaRPr lang="en-CA"/>
+          </a:p>
+        </p:txBody>
+      </p:sp>
+      <p:sp>
+        <p:nvSpPr>
+          <p:cNvPr id="14" name="Arrow: Right 13">
+            <a:extLst>
+              <a:ext uri="{FF2B5EF4-FFF2-40B4-BE49-F238E27FC236}">
+                <a16:creationId xmlns:a16="http://schemas.microsoft.com/office/drawing/2014/main" id="{96760634-8AB4-43DF-9F3F-9BEC0F5D411B}"/>
+              </a:ext>
+            </a:extLst>
+          </p:cNvPr>
+          <p:cNvSpPr/>
+          <p:nvPr/>
+        </p:nvSpPr>
+        <p:spPr>
+          <a:xfrm rot="5400000">
+            <a:off x="5352652" y="2199968"/>
+            <a:ext cx="359288" cy="316171"/>
+          </a:xfrm>
+          <a:prstGeom prst="rightArrow">
+            <a:avLst/>
+          </a:prstGeom>
+        </p:spPr>
+        <p:style>
+          <a:lnRef idx="2">
+            <a:schemeClr val="dk1">
+              <a:shade val="50000"/>
+            </a:schemeClr>
+          </a:lnRef>
+          <a:fillRef idx="1">
+            <a:schemeClr val="dk1"/>
+          </a:fillRef>
+          <a:effectRef idx="0">
+            <a:schemeClr val="dk1"/>
+          </a:effectRef>
+          <a:fontRef idx="minor">
+            <a:schemeClr val="lt1"/>
+          </a:fontRef>
+        </p:style>
+        <p:txBody>
+          <a:bodyPr rtlCol="0" anchor="ctr"/>
+          <a:lstStyle/>
+          <a:p>
+            <a:pPr algn="ctr"/>
+            <a:endParaRPr lang="en-CA"/>
+          </a:p>
+        </p:txBody>
+      </p:sp>
+      <p:sp>
+        <p:nvSpPr>
+          <p:cNvPr id="15" name="Arrow: Right 14">
+            <a:extLst>
+              <a:ext uri="{FF2B5EF4-FFF2-40B4-BE49-F238E27FC236}">
+                <a16:creationId xmlns:a16="http://schemas.microsoft.com/office/drawing/2014/main" id="{5D0A7908-3783-4774-807F-41885DA3CBA6}"/>
+              </a:ext>
+            </a:extLst>
+          </p:cNvPr>
+          <p:cNvSpPr/>
+          <p:nvPr/>
+        </p:nvSpPr>
+        <p:spPr>
+          <a:xfrm rot="10800000">
+            <a:off x="4282842" y="2510393"/>
+            <a:ext cx="508770" cy="216827"/>
+          </a:xfrm>
+          <a:prstGeom prst="rightArrow">
+            <a:avLst/>
+          </a:prstGeom>
+        </p:spPr>
+        <p:style>
+          <a:lnRef idx="2">
+            <a:schemeClr val="dk1">
+              <a:shade val="50000"/>
+            </a:schemeClr>
+          </a:lnRef>
+          <a:fillRef idx="1">
+            <a:schemeClr val="dk1"/>
+          </a:fillRef>
+          <a:effectRef idx="0">
+            <a:schemeClr val="dk1"/>
+          </a:effectRef>
+          <a:fontRef idx="minor">
+            <a:schemeClr val="lt1"/>
+          </a:fontRef>
+        </p:style>
+        <p:txBody>
+          <a:bodyPr rtlCol="0" anchor="ctr"/>
+          <a:lstStyle/>
+          <a:p>
+            <a:pPr algn="ctr"/>
+            <a:endParaRPr lang="en-CA"/>
+          </a:p>
+        </p:txBody>
+      </p:sp>
+      <p:sp>
+        <p:nvSpPr>
+          <p:cNvPr id="16" name="Arrow: Right 15">
+            <a:extLst>
+              <a:ext uri="{FF2B5EF4-FFF2-40B4-BE49-F238E27FC236}">
+                <a16:creationId xmlns:a16="http://schemas.microsoft.com/office/drawing/2014/main" id="{418B587B-3CDB-4975-875D-6E2796610251}"/>
+              </a:ext>
+            </a:extLst>
+          </p:cNvPr>
+          <p:cNvSpPr/>
+          <p:nvPr/>
+        </p:nvSpPr>
+        <p:spPr>
+          <a:xfrm rot="10800000">
+            <a:off x="2669096" y="2569358"/>
+            <a:ext cx="409092" cy="335878"/>
+          </a:xfrm>
+          <a:prstGeom prst="rightArrow">
+            <a:avLst/>
+          </a:prstGeom>
+        </p:spPr>
+        <p:style>
+          <a:lnRef idx="2">
+            <a:schemeClr val="dk1">
+              <a:shade val="50000"/>
+            </a:schemeClr>
+          </a:lnRef>
+          <a:fillRef idx="1">
+            <a:schemeClr val="dk1"/>
+          </a:fillRef>
+          <a:effectRef idx="0">
+            <a:schemeClr val="dk1"/>
+          </a:effectRef>
+          <a:fontRef idx="minor">
+            <a:schemeClr val="lt1"/>
+          </a:fontRef>
+        </p:style>
+        <p:txBody>
+          <a:bodyPr rtlCol="0" anchor="ctr"/>
+          <a:lstStyle/>
+          <a:p>
+            <a:pPr algn="ctr"/>
+            <a:endParaRPr lang="en-CA"/>
+          </a:p>
+        </p:txBody>
+      </p:sp>
+      <p:sp>
+        <p:nvSpPr>
+          <p:cNvPr id="17" name="Arrow: Right 16">
+            <a:extLst>
+              <a:ext uri="{FF2B5EF4-FFF2-40B4-BE49-F238E27FC236}">
+                <a16:creationId xmlns:a16="http://schemas.microsoft.com/office/drawing/2014/main" id="{85C2895D-4A58-4F2D-9ECF-698CAB5A49D8}"/>
+              </a:ext>
+            </a:extLst>
+          </p:cNvPr>
+          <p:cNvSpPr/>
+          <p:nvPr/>
+        </p:nvSpPr>
+        <p:spPr>
+          <a:xfrm>
+            <a:off x="2622752" y="3324249"/>
+            <a:ext cx="455435" cy="335878"/>
+          </a:xfrm>
+          <a:prstGeom prst="rightArrow">
+            <a:avLst/>
+          </a:prstGeom>
+        </p:spPr>
+        <p:style>
+          <a:lnRef idx="2">
+            <a:schemeClr val="dk1">
+              <a:shade val="50000"/>
+            </a:schemeClr>
+          </a:lnRef>
+          <a:fillRef idx="1">
+            <a:schemeClr val="dk1"/>
+          </a:fillRef>
+          <a:effectRef idx="0">
+            <a:schemeClr val="dk1"/>
+          </a:effectRef>
+          <a:fontRef idx="minor">
+            <a:schemeClr val="lt1"/>
+          </a:fontRef>
+        </p:style>
+        <p:txBody>
+          <a:bodyPr rtlCol="0" anchor="ctr"/>
+          <a:lstStyle/>
+          <a:p>
+            <a:pPr algn="ctr"/>
+            <a:endParaRPr lang="en-CA"/>
+          </a:p>
+        </p:txBody>
+      </p:sp>
+      <p:sp>
+        <p:nvSpPr>
+          <p:cNvPr id="18" name="Arrow: Right 17">
+            <a:extLst>
+              <a:ext uri="{FF2B5EF4-FFF2-40B4-BE49-F238E27FC236}">
+                <a16:creationId xmlns:a16="http://schemas.microsoft.com/office/drawing/2014/main" id="{75D4E8F2-3C36-4F59-835B-90E10B06E192}"/>
+              </a:ext>
+            </a:extLst>
+          </p:cNvPr>
+          <p:cNvSpPr/>
+          <p:nvPr/>
+        </p:nvSpPr>
+        <p:spPr>
+          <a:xfrm>
+            <a:off x="4285686" y="2747000"/>
+            <a:ext cx="508770" cy="216827"/>
+          </a:xfrm>
+          <a:prstGeom prst="rightArrow">
+            <a:avLst/>
+          </a:prstGeom>
+        </p:spPr>
+        <p:style>
+          <a:lnRef idx="2">
+            <a:schemeClr val="dk1">
+              <a:shade val="50000"/>
+            </a:schemeClr>
+          </a:lnRef>
+          <a:fillRef idx="1">
+            <a:schemeClr val="dk1"/>
+          </a:fillRef>
+          <a:effectRef idx="0">
+            <a:schemeClr val="dk1"/>
+          </a:effectRef>
+          <a:fontRef idx="minor">
+            <a:schemeClr val="lt1"/>
+          </a:fontRef>
+        </p:style>
+        <p:txBody>
+          <a:bodyPr rtlCol="0" anchor="ctr"/>
+          <a:lstStyle/>
+          <a:p>
+            <a:pPr algn="ctr"/>
+            <a:endParaRPr lang="en-CA"/>
+          </a:p>
+        </p:txBody>
+      </p:sp>
+      <p:sp>
+        <p:nvSpPr>
+          <p:cNvPr id="19" name="Arrow: Right 18">
+            <a:extLst>
+              <a:ext uri="{FF2B5EF4-FFF2-40B4-BE49-F238E27FC236}">
+                <a16:creationId xmlns:a16="http://schemas.microsoft.com/office/drawing/2014/main" id="{215D4937-62D1-4779-85CC-102ED0A1F1E4}"/>
+              </a:ext>
+            </a:extLst>
+          </p:cNvPr>
+          <p:cNvSpPr/>
+          <p:nvPr/>
+        </p:nvSpPr>
+        <p:spPr>
+          <a:xfrm rot="5400000">
+            <a:off x="1738338" y="2963822"/>
+            <a:ext cx="359288" cy="316171"/>
+          </a:xfrm>
+          <a:prstGeom prst="rightArrow">
+            <a:avLst/>
+          </a:prstGeom>
+        </p:spPr>
+        <p:style>
+          <a:lnRef idx="2">
+            <a:schemeClr val="dk1">
+              <a:shade val="50000"/>
+            </a:schemeClr>
+          </a:lnRef>
+          <a:fillRef idx="1">
+            <a:schemeClr val="dk1"/>
+          </a:fillRef>
+          <a:effectRef idx="0">
+            <a:schemeClr val="dk1"/>
+          </a:effectRef>
+          <a:fontRef idx="minor">
+            <a:schemeClr val="lt1"/>
+          </a:fontRef>
+        </p:style>
+        <p:txBody>
+          <a:bodyPr rtlCol="0" anchor="ctr"/>
+          <a:lstStyle/>
+          <a:p>
+            <a:pPr algn="ctr"/>
+            <a:endParaRPr lang="en-CA"/>
+          </a:p>
+        </p:txBody>
+      </p:sp>
+    </p:spTree>
+    <p:extLst>
+      <p:ext uri="{BB962C8B-B14F-4D97-AF65-F5344CB8AC3E}">
+        <p14:creationId xmlns:p14="http://schemas.microsoft.com/office/powerpoint/2010/main" val="3016733039"/>
+      </p:ext>
+    </p:extLst>
+  </p:cSld>
+  <p:clrMapOvr>
+    <a:masterClrMapping/>
+  </p:clrMapOvr>
+</p:sld>
+</file>
+
+<file path=ppt/slides/slide5.xml><?xml version="1.0" encoding="utf-8"?>
+<p:sld xmlns:a="http://schemas.openxmlformats.org/drawingml/2006/main" xmlns:r="http://schemas.openxmlformats.org/officeDocument/2006/relationships" xmlns:p="http://schemas.openxmlformats.org/presentationml/2006/main">
+  <p:cSld>
+    <p:spTree>
+      <p:nvGrpSpPr>
+        <p:cNvPr id="1" name=""/>
+        <p:cNvGrpSpPr/>
+        <p:nvPr/>
+      </p:nvGrpSpPr>
+      <p:grpSpPr>
+        <a:xfrm>
+          <a:off x="0" y="0"/>
+          <a:ext cx="0" cy="0"/>
+          <a:chOff x="0" y="0"/>
+          <a:chExt cx="0" cy="0"/>
+        </a:xfrm>
+      </p:grpSpPr>
+      <p:sp>
+        <p:nvSpPr>
+          <p:cNvPr id="2" name="Rectangle 1">
+            <a:extLst>
+              <a:ext uri="{FF2B5EF4-FFF2-40B4-BE49-F238E27FC236}">
+                <a16:creationId xmlns:a16="http://schemas.microsoft.com/office/drawing/2014/main" id="{633D98D4-4478-431A-8A0E-72892C0DE4C4}"/>
+              </a:ext>
+            </a:extLst>
+          </p:cNvPr>
+          <p:cNvSpPr/>
+          <p:nvPr/>
+        </p:nvSpPr>
+        <p:spPr>
+          <a:xfrm>
+            <a:off x="0" y="2237"/>
+            <a:ext cx="7315200" cy="5375871"/>
+          </a:xfrm>
+          <a:prstGeom prst="rect">
+            <a:avLst/>
+          </a:prstGeom>
+          <a:noFill/>
+          <a:ln>
+            <a:noFill/>
+          </a:ln>
+        </p:spPr>
+        <p:style>
+          <a:lnRef idx="2">
+            <a:schemeClr val="accent1">
+              <a:shade val="50000"/>
+            </a:schemeClr>
+          </a:lnRef>
+          <a:fillRef idx="1">
+            <a:schemeClr val="accent1"/>
+          </a:fillRef>
+          <a:effectRef idx="0">
+            <a:schemeClr val="accent1"/>
+          </a:effectRef>
+          <a:fontRef idx="minor">
+            <a:schemeClr val="lt1"/>
+          </a:fontRef>
+        </p:style>
+        <p:txBody>
+          <a:bodyPr rtlCol="0" anchor="ctr"/>
+          <a:lstStyle/>
+          <a:p>
+            <a:pPr algn="ctr"/>
+            <a:endParaRPr lang="en-US">
+              <a:latin typeface="Arial" panose="020B0604020202020204" pitchFamily="34" charset="0"/>
+              <a:cs typeface="Arial" panose="020B0604020202020204" pitchFamily="34" charset="0"/>
+            </a:endParaRPr>
+          </a:p>
+        </p:txBody>
+      </p:sp>
+      <p:sp>
+        <p:nvSpPr>
+          <p:cNvPr id="3" name="Rectangle 2">
+            <a:extLst>
+              <a:ext uri="{FF2B5EF4-FFF2-40B4-BE49-F238E27FC236}">
+                <a16:creationId xmlns:a16="http://schemas.microsoft.com/office/drawing/2014/main" id="{B0673A7C-A50C-4B36-B1B6-101FA3679449}"/>
+              </a:ext>
+            </a:extLst>
+          </p:cNvPr>
+          <p:cNvSpPr/>
+          <p:nvPr/>
+        </p:nvSpPr>
+        <p:spPr>
+          <a:xfrm>
+            <a:off x="0" y="629162"/>
+            <a:ext cx="7315200" cy="4114800"/>
+          </a:xfrm>
+          <a:prstGeom prst="rect">
+            <a:avLst/>
+          </a:prstGeom>
+          <a:noFill/>
+          <a:ln>
+            <a:noFill/>
+          </a:ln>
+        </p:spPr>
+        <p:style>
+          <a:lnRef idx="2">
+            <a:schemeClr val="accent3">
+              <a:shade val="50000"/>
+            </a:schemeClr>
+          </a:lnRef>
+          <a:fillRef idx="1">
+            <a:schemeClr val="accent3"/>
+          </a:fillRef>
+          <a:effectRef idx="0">
+            <a:schemeClr val="accent3"/>
+          </a:effectRef>
+          <a:fontRef idx="minor">
+            <a:schemeClr val="lt1"/>
+          </a:fontRef>
+        </p:style>
+        <p:txBody>
+          <a:bodyPr rtlCol="0" anchor="ctr"/>
+          <a:lstStyle/>
+          <a:p>
+            <a:pPr algn="ctr"/>
+            <a:endParaRPr lang="en-US" dirty="0">
+              <a:solidFill>
+                <a:schemeClr val="accent2"/>
+              </a:solidFill>
+              <a:latin typeface="Arial" panose="020B0604020202020204" pitchFamily="34" charset="0"/>
+              <a:cs typeface="Arial" panose="020B0604020202020204" pitchFamily="34" charset="0"/>
+            </a:endParaRPr>
+          </a:p>
+        </p:txBody>
+      </p:sp>
+      <p:sp>
+        <p:nvSpPr>
+          <p:cNvPr id="4" name="Rectangle 3">
+            <a:extLst>
+              <a:ext uri="{FF2B5EF4-FFF2-40B4-BE49-F238E27FC236}">
+                <a16:creationId xmlns:a16="http://schemas.microsoft.com/office/drawing/2014/main" id="{1EA16DA9-9326-4692-B39A-199BCB200A17}"/>
+              </a:ext>
+            </a:extLst>
+          </p:cNvPr>
+          <p:cNvSpPr/>
+          <p:nvPr/>
+        </p:nvSpPr>
+        <p:spPr>
+          <a:xfrm>
+            <a:off x="7176" y="1427346"/>
+            <a:ext cx="7315200" cy="2560320"/>
+          </a:xfrm>
+          <a:prstGeom prst="rect">
+            <a:avLst/>
+          </a:prstGeom>
+          <a:noFill/>
+          <a:ln>
+            <a:noFill/>
+          </a:ln>
+        </p:spPr>
+        <p:style>
+          <a:lnRef idx="2">
+            <a:schemeClr val="accent1">
+              <a:shade val="50000"/>
+            </a:schemeClr>
+          </a:lnRef>
+          <a:fillRef idx="1">
+            <a:schemeClr val="accent1"/>
+          </a:fillRef>
+          <a:effectRef idx="0">
+            <a:schemeClr val="accent1"/>
+          </a:effectRef>
+          <a:fontRef idx="minor">
+            <a:schemeClr val="lt1"/>
+          </a:fontRef>
+        </p:style>
+        <p:txBody>
+          <a:bodyPr rtlCol="0" anchor="ctr"/>
+          <a:lstStyle/>
+          <a:p>
+            <a:pPr algn="ctr"/>
+            <a:endParaRPr lang="en-US">
+              <a:latin typeface="Arial" panose="020B0604020202020204" pitchFamily="34" charset="0"/>
+              <a:cs typeface="Arial" panose="020B0604020202020204" pitchFamily="34" charset="0"/>
+            </a:endParaRPr>
+          </a:p>
+        </p:txBody>
+      </p:sp>
+      <p:pic>
+        <p:nvPicPr>
+          <p:cNvPr id="5" name="Picture 4" descr="A close up of a keyboard&#10;&#10;Description automatically generated">
+            <a:extLst>
+              <a:ext uri="{FF2B5EF4-FFF2-40B4-BE49-F238E27FC236}">
+                <a16:creationId xmlns:a16="http://schemas.microsoft.com/office/drawing/2014/main" id="{BD3A9323-7A44-4B26-AB7C-44D7CB533CF1}"/>
+              </a:ext>
+            </a:extLst>
+          </p:cNvPr>
+          <p:cNvPicPr>
+            <a:picLocks noChangeAspect="1"/>
+          </p:cNvPicPr>
+          <p:nvPr/>
+        </p:nvPicPr>
+        <p:blipFill>
+          <a:blip r:embed="rId2">
+            <a:extLst>
+              <a:ext uri="{28A0092B-C50C-407E-A947-70E740481C1C}">
+                <a14:useLocalDpi xmlns:a14="http://schemas.microsoft.com/office/drawing/2010/main" val="0"/>
+              </a:ext>
+            </a:extLst>
+          </a:blip>
+          <a:stretch>
+            <a:fillRect/>
+          </a:stretch>
+        </p:blipFill>
+        <p:spPr>
+          <a:xfrm>
+            <a:off x="1064146" y="1546460"/>
+            <a:ext cx="1711036" cy="748578"/>
+          </a:xfrm>
+          <a:prstGeom prst="rect">
+            <a:avLst/>
+          </a:prstGeom>
+        </p:spPr>
+      </p:pic>
+      <p:sp>
+        <p:nvSpPr>
+          <p:cNvPr id="6" name="TextBox 5">
+            <a:extLst>
+              <a:ext uri="{FF2B5EF4-FFF2-40B4-BE49-F238E27FC236}">
+                <a16:creationId xmlns:a16="http://schemas.microsoft.com/office/drawing/2014/main" id="{CDB3C0E7-1874-4949-B291-2F5400821320}"/>
+              </a:ext>
+            </a:extLst>
+          </p:cNvPr>
+          <p:cNvSpPr txBox="1"/>
+          <p:nvPr/>
+        </p:nvSpPr>
+        <p:spPr>
+          <a:xfrm>
+            <a:off x="2935489" y="1796311"/>
+            <a:ext cx="1392702" cy="369332"/>
+          </a:xfrm>
+          <a:prstGeom prst="rect">
+            <a:avLst/>
+          </a:prstGeom>
+          <a:noFill/>
+          <a:ln w="57150">
+            <a:solidFill>
+              <a:schemeClr val="tx1"/>
+            </a:solidFill>
+          </a:ln>
+        </p:spPr>
+        <p:txBody>
+          <a:bodyPr wrap="square" rtlCol="0">
+            <a:spAutoFit/>
+          </a:bodyPr>
+          <a:lstStyle/>
+          <a:p>
+            <a:pPr algn="ctr"/>
+            <a:r>
+              <a:rPr lang="en-CA" dirty="0"/>
+              <a:t>Collect data</a:t>
+            </a:r>
+          </a:p>
+        </p:txBody>
+      </p:sp>
+      <p:sp>
+        <p:nvSpPr>
+          <p:cNvPr id="7" name="TextBox 6">
+            <a:extLst>
+              <a:ext uri="{FF2B5EF4-FFF2-40B4-BE49-F238E27FC236}">
+                <a16:creationId xmlns:a16="http://schemas.microsoft.com/office/drawing/2014/main" id="{804C9431-9CE5-4377-9140-1DBE7A84853A}"/>
+              </a:ext>
+            </a:extLst>
+          </p:cNvPr>
+          <p:cNvSpPr txBox="1"/>
+          <p:nvPr/>
+        </p:nvSpPr>
+        <p:spPr>
+          <a:xfrm>
+            <a:off x="4822820" y="1796311"/>
+            <a:ext cx="1392702" cy="369332"/>
+          </a:xfrm>
+          <a:prstGeom prst="rect">
+            <a:avLst/>
+          </a:prstGeom>
+          <a:noFill/>
+          <a:ln w="57150">
+            <a:solidFill>
+              <a:schemeClr val="tx1"/>
+            </a:solidFill>
+          </a:ln>
+        </p:spPr>
+        <p:txBody>
+          <a:bodyPr wrap="square" rtlCol="0">
+            <a:spAutoFit/>
+          </a:bodyPr>
+          <a:lstStyle/>
+          <a:p>
+            <a:pPr algn="ctr"/>
+            <a:r>
+              <a:rPr lang="en-CA" dirty="0"/>
+              <a:t>Import to R</a:t>
+            </a:r>
+          </a:p>
+        </p:txBody>
+      </p:sp>
+      <p:sp>
+        <p:nvSpPr>
+          <p:cNvPr id="8" name="TextBox 7">
+            <a:extLst>
+              <a:ext uri="{FF2B5EF4-FFF2-40B4-BE49-F238E27FC236}">
+                <a16:creationId xmlns:a16="http://schemas.microsoft.com/office/drawing/2014/main" id="{57471541-B28E-469B-9769-8390B9F5EC99}"/>
+              </a:ext>
+            </a:extLst>
+          </p:cNvPr>
+          <p:cNvSpPr txBox="1"/>
+          <p:nvPr/>
+        </p:nvSpPr>
+        <p:spPr>
+          <a:xfrm>
+            <a:off x="4822820" y="2537698"/>
+            <a:ext cx="1392702" cy="646331"/>
+          </a:xfrm>
+          <a:prstGeom prst="rect">
+            <a:avLst/>
+          </a:prstGeom>
+          <a:noFill/>
+          <a:ln w="57150">
+            <a:solidFill>
+              <a:schemeClr val="tx1"/>
+            </a:solidFill>
+          </a:ln>
+        </p:spPr>
+        <p:txBody>
+          <a:bodyPr wrap="square" rtlCol="0">
+            <a:spAutoFit/>
+          </a:bodyPr>
+          <a:lstStyle/>
+          <a:p>
+            <a:pPr algn="ctr"/>
+            <a:r>
+              <a:rPr lang="en-CA" dirty="0"/>
+              <a:t>Clean &amp; Transform</a:t>
+            </a:r>
+          </a:p>
+        </p:txBody>
+      </p:sp>
+      <p:sp>
+        <p:nvSpPr>
+          <p:cNvPr id="9" name="TextBox 8">
+            <a:extLst>
+              <a:ext uri="{FF2B5EF4-FFF2-40B4-BE49-F238E27FC236}">
+                <a16:creationId xmlns:a16="http://schemas.microsoft.com/office/drawing/2014/main" id="{8909B08A-0566-499A-95A0-E3AB09D64E12}"/>
+              </a:ext>
+            </a:extLst>
+          </p:cNvPr>
+          <p:cNvSpPr txBox="1"/>
+          <p:nvPr/>
+        </p:nvSpPr>
+        <p:spPr>
+          <a:xfrm>
+            <a:off x="3095214" y="2537697"/>
+            <a:ext cx="1156420" cy="369332"/>
+          </a:xfrm>
+          <a:prstGeom prst="rect">
+            <a:avLst/>
+          </a:prstGeom>
+          <a:noFill/>
+          <a:ln w="57150">
+            <a:solidFill>
+              <a:srgbClr val="00B0F0"/>
+            </a:solidFill>
+          </a:ln>
+        </p:spPr>
+        <p:txBody>
+          <a:bodyPr wrap="square" rtlCol="0">
+            <a:spAutoFit/>
+          </a:bodyPr>
+          <a:lstStyle/>
+          <a:p>
+            <a:pPr algn="ctr"/>
+            <a:r>
+              <a:rPr lang="en-CA" b="1" dirty="0"/>
+              <a:t>Explore</a:t>
+            </a:r>
+          </a:p>
+        </p:txBody>
+      </p:sp>
+      <p:sp>
+        <p:nvSpPr>
+          <p:cNvPr id="10" name="TextBox 9">
+            <a:extLst>
+              <a:ext uri="{FF2B5EF4-FFF2-40B4-BE49-F238E27FC236}">
+                <a16:creationId xmlns:a16="http://schemas.microsoft.com/office/drawing/2014/main" id="{2711808E-BAB9-40B5-8797-D13CEDA7DB47}"/>
+              </a:ext>
+            </a:extLst>
+          </p:cNvPr>
+          <p:cNvSpPr txBox="1"/>
+          <p:nvPr/>
+        </p:nvSpPr>
+        <p:spPr>
+          <a:xfrm>
+            <a:off x="1242341" y="2542780"/>
+            <a:ext cx="1392702" cy="369332"/>
+          </a:xfrm>
+          <a:prstGeom prst="rect">
+            <a:avLst/>
+          </a:prstGeom>
+          <a:noFill/>
+          <a:ln w="57150">
+            <a:solidFill>
+              <a:schemeClr val="tx1"/>
+            </a:solidFill>
+          </a:ln>
+        </p:spPr>
+        <p:txBody>
+          <a:bodyPr wrap="square" rtlCol="0">
+            <a:spAutoFit/>
+          </a:bodyPr>
+          <a:lstStyle/>
+          <a:p>
+            <a:pPr algn="ctr"/>
+            <a:r>
+              <a:rPr lang="en-CA" dirty="0"/>
+              <a:t>Model</a:t>
+            </a:r>
+          </a:p>
+        </p:txBody>
+      </p:sp>
+      <p:sp>
+        <p:nvSpPr>
+          <p:cNvPr id="11" name="TextBox 10">
+            <a:extLst>
+              <a:ext uri="{FF2B5EF4-FFF2-40B4-BE49-F238E27FC236}">
+                <a16:creationId xmlns:a16="http://schemas.microsoft.com/office/drawing/2014/main" id="{2301AF4A-1569-4352-BB83-8B041487C0C7}"/>
+              </a:ext>
+            </a:extLst>
+          </p:cNvPr>
+          <p:cNvSpPr txBox="1"/>
+          <p:nvPr/>
+        </p:nvSpPr>
+        <p:spPr>
+          <a:xfrm>
+            <a:off x="1276691" y="3307427"/>
+            <a:ext cx="1324002" cy="369332"/>
+          </a:xfrm>
+          <a:prstGeom prst="rect">
+            <a:avLst/>
+          </a:prstGeom>
+          <a:noFill/>
+          <a:ln w="57150">
+            <a:solidFill>
+              <a:schemeClr val="tx1"/>
+            </a:solidFill>
+          </a:ln>
+        </p:spPr>
+        <p:txBody>
+          <a:bodyPr wrap="square" rtlCol="0">
+            <a:spAutoFit/>
+          </a:bodyPr>
+          <a:lstStyle/>
+          <a:p>
+            <a:pPr algn="ctr"/>
+            <a:r>
+              <a:rPr lang="en-CA" dirty="0"/>
+              <a:t>Interpret</a:t>
+            </a:r>
+          </a:p>
+        </p:txBody>
+      </p:sp>
+      <p:sp>
+        <p:nvSpPr>
+          <p:cNvPr id="12" name="TextBox 11">
+            <a:extLst>
+              <a:ext uri="{FF2B5EF4-FFF2-40B4-BE49-F238E27FC236}">
+                <a16:creationId xmlns:a16="http://schemas.microsoft.com/office/drawing/2014/main" id="{5EC450EE-4FC8-4ABC-8F3F-E02101F075BF}"/>
+              </a:ext>
+            </a:extLst>
+          </p:cNvPr>
+          <p:cNvSpPr txBox="1"/>
+          <p:nvPr/>
+        </p:nvSpPr>
+        <p:spPr>
+          <a:xfrm>
+            <a:off x="3126238" y="3318129"/>
+            <a:ext cx="1540411" cy="369332"/>
+          </a:xfrm>
+          <a:prstGeom prst="rect">
+            <a:avLst/>
+          </a:prstGeom>
+          <a:noFill/>
+          <a:ln w="57150">
+            <a:solidFill>
+              <a:schemeClr val="tx1"/>
+            </a:solidFill>
+          </a:ln>
+        </p:spPr>
+        <p:txBody>
+          <a:bodyPr wrap="square" rtlCol="0">
+            <a:spAutoFit/>
+          </a:bodyPr>
+          <a:lstStyle/>
+          <a:p>
+            <a:pPr algn="ctr"/>
+            <a:r>
+              <a:rPr lang="en-CA" dirty="0"/>
+              <a:t>Communicate</a:t>
+            </a:r>
+          </a:p>
+        </p:txBody>
+      </p:sp>
+      <p:sp>
+        <p:nvSpPr>
+          <p:cNvPr id="13" name="Arrow: Right 12">
+            <a:extLst>
+              <a:ext uri="{FF2B5EF4-FFF2-40B4-BE49-F238E27FC236}">
+                <a16:creationId xmlns:a16="http://schemas.microsoft.com/office/drawing/2014/main" id="{15FCE88D-6129-445C-8876-D1DA19B24C26}"/>
+              </a:ext>
+            </a:extLst>
+          </p:cNvPr>
+          <p:cNvSpPr/>
+          <p:nvPr/>
+        </p:nvSpPr>
+        <p:spPr>
+          <a:xfrm>
+            <a:off x="4328190" y="1826624"/>
+            <a:ext cx="487453" cy="308706"/>
+          </a:xfrm>
+          <a:prstGeom prst="rightArrow">
+            <a:avLst/>
+          </a:prstGeom>
+        </p:spPr>
+        <p:style>
+          <a:lnRef idx="2">
+            <a:schemeClr val="dk1">
+              <a:shade val="50000"/>
+            </a:schemeClr>
+          </a:lnRef>
+          <a:fillRef idx="1">
+            <a:schemeClr val="dk1"/>
+          </a:fillRef>
+          <a:effectRef idx="0">
+            <a:schemeClr val="dk1"/>
+          </a:effectRef>
+          <a:fontRef idx="minor">
+            <a:schemeClr val="lt1"/>
+          </a:fontRef>
+        </p:style>
+        <p:txBody>
+          <a:bodyPr rtlCol="0" anchor="ctr"/>
+          <a:lstStyle/>
+          <a:p>
+            <a:pPr algn="ctr"/>
+            <a:endParaRPr lang="en-CA"/>
+          </a:p>
+        </p:txBody>
+      </p:sp>
+      <p:sp>
+        <p:nvSpPr>
+          <p:cNvPr id="14" name="Arrow: Right 13">
+            <a:extLst>
+              <a:ext uri="{FF2B5EF4-FFF2-40B4-BE49-F238E27FC236}">
+                <a16:creationId xmlns:a16="http://schemas.microsoft.com/office/drawing/2014/main" id="{95A89D10-D1D6-4F17-B548-C201DC2CCD0B}"/>
+              </a:ext>
+            </a:extLst>
+          </p:cNvPr>
+          <p:cNvSpPr/>
+          <p:nvPr/>
+        </p:nvSpPr>
+        <p:spPr>
+          <a:xfrm rot="5400000">
+            <a:off x="5352652" y="2199968"/>
+            <a:ext cx="359288" cy="316171"/>
+          </a:xfrm>
+          <a:prstGeom prst="rightArrow">
+            <a:avLst/>
+          </a:prstGeom>
+        </p:spPr>
+        <p:style>
+          <a:lnRef idx="2">
+            <a:schemeClr val="dk1">
+              <a:shade val="50000"/>
+            </a:schemeClr>
+          </a:lnRef>
+          <a:fillRef idx="1">
+            <a:schemeClr val="dk1"/>
+          </a:fillRef>
+          <a:effectRef idx="0">
+            <a:schemeClr val="dk1"/>
+          </a:effectRef>
+          <a:fontRef idx="minor">
+            <a:schemeClr val="lt1"/>
+          </a:fontRef>
+        </p:style>
+        <p:txBody>
+          <a:bodyPr rtlCol="0" anchor="ctr"/>
+          <a:lstStyle/>
+          <a:p>
+            <a:pPr algn="ctr"/>
+            <a:endParaRPr lang="en-CA"/>
+          </a:p>
+        </p:txBody>
+      </p:sp>
+      <p:sp>
+        <p:nvSpPr>
+          <p:cNvPr id="15" name="Arrow: Right 14">
+            <a:extLst>
+              <a:ext uri="{FF2B5EF4-FFF2-40B4-BE49-F238E27FC236}">
+                <a16:creationId xmlns:a16="http://schemas.microsoft.com/office/drawing/2014/main" id="{A6951999-3504-4687-ADE4-DD5337D032D1}"/>
+              </a:ext>
+            </a:extLst>
+          </p:cNvPr>
+          <p:cNvSpPr/>
+          <p:nvPr/>
+        </p:nvSpPr>
+        <p:spPr>
+          <a:xfrm rot="10800000">
+            <a:off x="4282842" y="2510393"/>
+            <a:ext cx="508770" cy="216827"/>
+          </a:xfrm>
+          <a:prstGeom prst="rightArrow">
+            <a:avLst/>
+          </a:prstGeom>
+        </p:spPr>
+        <p:style>
+          <a:lnRef idx="2">
+            <a:schemeClr val="dk1">
+              <a:shade val="50000"/>
+            </a:schemeClr>
+          </a:lnRef>
+          <a:fillRef idx="1">
+            <a:schemeClr val="dk1"/>
+          </a:fillRef>
+          <a:effectRef idx="0">
+            <a:schemeClr val="dk1"/>
+          </a:effectRef>
+          <a:fontRef idx="minor">
+            <a:schemeClr val="lt1"/>
+          </a:fontRef>
+        </p:style>
+        <p:txBody>
+          <a:bodyPr rtlCol="0" anchor="ctr"/>
+          <a:lstStyle/>
+          <a:p>
+            <a:pPr algn="ctr"/>
+            <a:endParaRPr lang="en-CA"/>
+          </a:p>
+        </p:txBody>
+      </p:sp>
+      <p:sp>
+        <p:nvSpPr>
+          <p:cNvPr id="16" name="Arrow: Right 15">
+            <a:extLst>
+              <a:ext uri="{FF2B5EF4-FFF2-40B4-BE49-F238E27FC236}">
+                <a16:creationId xmlns:a16="http://schemas.microsoft.com/office/drawing/2014/main" id="{5944AB65-99FD-46C4-A1B7-C7EAB22F9437}"/>
+              </a:ext>
+            </a:extLst>
+          </p:cNvPr>
+          <p:cNvSpPr/>
+          <p:nvPr/>
+        </p:nvSpPr>
+        <p:spPr>
+          <a:xfrm rot="10800000">
+            <a:off x="2669096" y="2569358"/>
+            <a:ext cx="409092" cy="335878"/>
+          </a:xfrm>
+          <a:prstGeom prst="rightArrow">
+            <a:avLst/>
+          </a:prstGeom>
+        </p:spPr>
+        <p:style>
+          <a:lnRef idx="2">
+            <a:schemeClr val="dk1">
+              <a:shade val="50000"/>
+            </a:schemeClr>
+          </a:lnRef>
+          <a:fillRef idx="1">
+            <a:schemeClr val="dk1"/>
+          </a:fillRef>
+          <a:effectRef idx="0">
+            <a:schemeClr val="dk1"/>
+          </a:effectRef>
+          <a:fontRef idx="minor">
+            <a:schemeClr val="lt1"/>
+          </a:fontRef>
+        </p:style>
+        <p:txBody>
+          <a:bodyPr rtlCol="0" anchor="ctr"/>
+          <a:lstStyle/>
+          <a:p>
+            <a:pPr algn="ctr"/>
+            <a:endParaRPr lang="en-CA"/>
+          </a:p>
+        </p:txBody>
+      </p:sp>
+      <p:sp>
+        <p:nvSpPr>
+          <p:cNvPr id="17" name="Arrow: Right 16">
+            <a:extLst>
+              <a:ext uri="{FF2B5EF4-FFF2-40B4-BE49-F238E27FC236}">
+                <a16:creationId xmlns:a16="http://schemas.microsoft.com/office/drawing/2014/main" id="{4FC966EB-E8D6-4C79-8D5C-577A389D3F05}"/>
+              </a:ext>
+            </a:extLst>
+          </p:cNvPr>
+          <p:cNvSpPr/>
+          <p:nvPr/>
+        </p:nvSpPr>
+        <p:spPr>
+          <a:xfrm>
+            <a:off x="2622752" y="3324249"/>
+            <a:ext cx="455435" cy="335878"/>
+          </a:xfrm>
+          <a:prstGeom prst="rightArrow">
+            <a:avLst/>
+          </a:prstGeom>
+        </p:spPr>
+        <p:style>
+          <a:lnRef idx="2">
+            <a:schemeClr val="dk1">
+              <a:shade val="50000"/>
+            </a:schemeClr>
+          </a:lnRef>
+          <a:fillRef idx="1">
+            <a:schemeClr val="dk1"/>
+          </a:fillRef>
+          <a:effectRef idx="0">
+            <a:schemeClr val="dk1"/>
+          </a:effectRef>
+          <a:fontRef idx="minor">
+            <a:schemeClr val="lt1"/>
+          </a:fontRef>
+        </p:style>
+        <p:txBody>
+          <a:bodyPr rtlCol="0" anchor="ctr"/>
+          <a:lstStyle/>
+          <a:p>
+            <a:pPr algn="ctr"/>
+            <a:endParaRPr lang="en-CA"/>
+          </a:p>
+        </p:txBody>
+      </p:sp>
+      <p:sp>
+        <p:nvSpPr>
+          <p:cNvPr id="18" name="Arrow: Right 17">
+            <a:extLst>
+              <a:ext uri="{FF2B5EF4-FFF2-40B4-BE49-F238E27FC236}">
+                <a16:creationId xmlns:a16="http://schemas.microsoft.com/office/drawing/2014/main" id="{7BD9B212-6003-4FE0-BD6E-0F02AA9C26B5}"/>
+              </a:ext>
+            </a:extLst>
+          </p:cNvPr>
+          <p:cNvSpPr/>
+          <p:nvPr/>
+        </p:nvSpPr>
+        <p:spPr>
+          <a:xfrm>
+            <a:off x="4285686" y="2747000"/>
+            <a:ext cx="508770" cy="216827"/>
+          </a:xfrm>
+          <a:prstGeom prst="rightArrow">
+            <a:avLst/>
+          </a:prstGeom>
+        </p:spPr>
+        <p:style>
+          <a:lnRef idx="2">
+            <a:schemeClr val="dk1">
+              <a:shade val="50000"/>
+            </a:schemeClr>
+          </a:lnRef>
+          <a:fillRef idx="1">
+            <a:schemeClr val="dk1"/>
+          </a:fillRef>
+          <a:effectRef idx="0">
+            <a:schemeClr val="dk1"/>
+          </a:effectRef>
+          <a:fontRef idx="minor">
+            <a:schemeClr val="lt1"/>
+          </a:fontRef>
+        </p:style>
+        <p:txBody>
+          <a:bodyPr rtlCol="0" anchor="ctr"/>
+          <a:lstStyle/>
+          <a:p>
+            <a:pPr algn="ctr"/>
+            <a:endParaRPr lang="en-CA"/>
+          </a:p>
+        </p:txBody>
+      </p:sp>
+      <p:sp>
+        <p:nvSpPr>
+          <p:cNvPr id="19" name="Arrow: Right 18">
+            <a:extLst>
+              <a:ext uri="{FF2B5EF4-FFF2-40B4-BE49-F238E27FC236}">
+                <a16:creationId xmlns:a16="http://schemas.microsoft.com/office/drawing/2014/main" id="{4473FA7E-6AD4-40EA-8802-6BB3F14F3FD1}"/>
+              </a:ext>
+            </a:extLst>
+          </p:cNvPr>
+          <p:cNvSpPr/>
+          <p:nvPr/>
+        </p:nvSpPr>
+        <p:spPr>
+          <a:xfrm rot="5400000">
+            <a:off x="1738338" y="2963822"/>
+            <a:ext cx="359288" cy="316171"/>
+          </a:xfrm>
+          <a:prstGeom prst="rightArrow">
+            <a:avLst/>
+          </a:prstGeom>
+        </p:spPr>
+        <p:style>
+          <a:lnRef idx="2">
+            <a:schemeClr val="dk1">
+              <a:shade val="50000"/>
+            </a:schemeClr>
+          </a:lnRef>
+          <a:fillRef idx="1">
+            <a:schemeClr val="dk1"/>
+          </a:fillRef>
+          <a:effectRef idx="0">
+            <a:schemeClr val="dk1"/>
+          </a:effectRef>
+          <a:fontRef idx="minor">
+            <a:schemeClr val="lt1"/>
+          </a:fontRef>
+        </p:style>
+        <p:txBody>
+          <a:bodyPr rtlCol="0" anchor="ctr"/>
+          <a:lstStyle/>
+          <a:p>
+            <a:pPr algn="ctr"/>
+            <a:endParaRPr lang="en-CA"/>
+          </a:p>
+        </p:txBody>
+      </p:sp>
+    </p:spTree>
+    <p:extLst>
+      <p:ext uri="{BB962C8B-B14F-4D97-AF65-F5344CB8AC3E}">
+        <p14:creationId xmlns:p14="http://schemas.microsoft.com/office/powerpoint/2010/main" val="1411140962"/>
+      </p:ext>
+    </p:extLst>
+  </p:cSld>
+  <p:clrMapOvr>
+    <a:masterClrMapping/>
+  </p:clrMapOvr>
+</p:sld>
+</file>
+
+<file path=ppt/slides/slide6.xml><?xml version="1.0" encoding="utf-8"?>
+<p:sld xmlns:a="http://schemas.openxmlformats.org/drawingml/2006/main" xmlns:r="http://schemas.openxmlformats.org/officeDocument/2006/relationships" xmlns:p="http://schemas.openxmlformats.org/presentationml/2006/main">
+  <p:cSld>
+    <p:spTree>
+      <p:nvGrpSpPr>
+        <p:cNvPr id="1" name=""/>
+        <p:cNvGrpSpPr/>
+        <p:nvPr/>
+      </p:nvGrpSpPr>
+      <p:grpSpPr>
+        <a:xfrm>
+          <a:off x="0" y="0"/>
+          <a:ext cx="0" cy="0"/>
+          <a:chOff x="0" y="0"/>
+          <a:chExt cx="0" cy="0"/>
+        </a:xfrm>
+      </p:grpSpPr>
+      <p:sp>
+        <p:nvSpPr>
+          <p:cNvPr id="2" name="Rectangle 1">
+            <a:extLst>
+              <a:ext uri="{FF2B5EF4-FFF2-40B4-BE49-F238E27FC236}">
+                <a16:creationId xmlns:a16="http://schemas.microsoft.com/office/drawing/2014/main" id="{E7AFA10B-D22D-4BBB-80DC-44950DF89648}"/>
+              </a:ext>
+            </a:extLst>
+          </p:cNvPr>
+          <p:cNvSpPr/>
+          <p:nvPr/>
+        </p:nvSpPr>
+        <p:spPr>
+          <a:xfrm>
+            <a:off x="0" y="2237"/>
+            <a:ext cx="7315200" cy="5375871"/>
+          </a:xfrm>
+          <a:prstGeom prst="rect">
+            <a:avLst/>
+          </a:prstGeom>
+          <a:noFill/>
+          <a:ln>
+            <a:noFill/>
+          </a:ln>
+        </p:spPr>
+        <p:style>
+          <a:lnRef idx="2">
+            <a:schemeClr val="accent1">
+              <a:shade val="50000"/>
+            </a:schemeClr>
+          </a:lnRef>
+          <a:fillRef idx="1">
+            <a:schemeClr val="accent1"/>
+          </a:fillRef>
+          <a:effectRef idx="0">
+            <a:schemeClr val="accent1"/>
+          </a:effectRef>
+          <a:fontRef idx="minor">
+            <a:schemeClr val="lt1"/>
+          </a:fontRef>
+        </p:style>
+        <p:txBody>
+          <a:bodyPr rtlCol="0" anchor="ctr"/>
+          <a:lstStyle/>
+          <a:p>
+            <a:pPr algn="ctr"/>
+            <a:endParaRPr lang="en-US">
+              <a:latin typeface="Arial" panose="020B0604020202020204" pitchFamily="34" charset="0"/>
+              <a:cs typeface="Arial" panose="020B0604020202020204" pitchFamily="34" charset="0"/>
+            </a:endParaRPr>
+          </a:p>
+        </p:txBody>
+      </p:sp>
+      <p:sp>
+        <p:nvSpPr>
+          <p:cNvPr id="3" name="Rectangle 2">
+            <a:extLst>
+              <a:ext uri="{FF2B5EF4-FFF2-40B4-BE49-F238E27FC236}">
+                <a16:creationId xmlns:a16="http://schemas.microsoft.com/office/drawing/2014/main" id="{698B132B-81F8-44BB-B290-13057B14D65F}"/>
+              </a:ext>
+            </a:extLst>
+          </p:cNvPr>
+          <p:cNvSpPr/>
+          <p:nvPr/>
+        </p:nvSpPr>
+        <p:spPr>
+          <a:xfrm>
+            <a:off x="0" y="629162"/>
+            <a:ext cx="7315200" cy="4114800"/>
+          </a:xfrm>
+          <a:prstGeom prst="rect">
+            <a:avLst/>
+          </a:prstGeom>
+          <a:noFill/>
+          <a:ln>
+            <a:noFill/>
+          </a:ln>
+        </p:spPr>
+        <p:style>
+          <a:lnRef idx="2">
+            <a:schemeClr val="accent3">
+              <a:shade val="50000"/>
+            </a:schemeClr>
+          </a:lnRef>
+          <a:fillRef idx="1">
+            <a:schemeClr val="accent3"/>
+          </a:fillRef>
+          <a:effectRef idx="0">
+            <a:schemeClr val="accent3"/>
+          </a:effectRef>
+          <a:fontRef idx="minor">
+            <a:schemeClr val="lt1"/>
+          </a:fontRef>
+        </p:style>
+        <p:txBody>
+          <a:bodyPr rtlCol="0" anchor="ctr"/>
+          <a:lstStyle/>
+          <a:p>
+            <a:pPr algn="ctr"/>
+            <a:endParaRPr lang="en-US" dirty="0">
+              <a:solidFill>
+                <a:schemeClr val="accent2"/>
+              </a:solidFill>
+              <a:latin typeface="Arial" panose="020B0604020202020204" pitchFamily="34" charset="0"/>
+              <a:cs typeface="Arial" panose="020B0604020202020204" pitchFamily="34" charset="0"/>
+            </a:endParaRPr>
+          </a:p>
+        </p:txBody>
+      </p:sp>
+      <p:sp>
+        <p:nvSpPr>
+          <p:cNvPr id="4" name="Rectangle 3">
+            <a:extLst>
+              <a:ext uri="{FF2B5EF4-FFF2-40B4-BE49-F238E27FC236}">
+                <a16:creationId xmlns:a16="http://schemas.microsoft.com/office/drawing/2014/main" id="{B8504CDA-FE80-4FE8-BAD7-12C632E09D6A}"/>
+              </a:ext>
+            </a:extLst>
+          </p:cNvPr>
+          <p:cNvSpPr/>
+          <p:nvPr/>
+        </p:nvSpPr>
+        <p:spPr>
+          <a:xfrm>
+            <a:off x="7176" y="1427346"/>
+            <a:ext cx="7315200" cy="2560320"/>
+          </a:xfrm>
+          <a:prstGeom prst="rect">
+            <a:avLst/>
+          </a:prstGeom>
+          <a:noFill/>
+          <a:ln>
+            <a:noFill/>
+          </a:ln>
+        </p:spPr>
+        <p:style>
+          <a:lnRef idx="2">
+            <a:schemeClr val="accent1">
+              <a:shade val="50000"/>
+            </a:schemeClr>
+          </a:lnRef>
+          <a:fillRef idx="1">
+            <a:schemeClr val="accent1"/>
+          </a:fillRef>
+          <a:effectRef idx="0">
+            <a:schemeClr val="accent1"/>
+          </a:effectRef>
+          <a:fontRef idx="minor">
+            <a:schemeClr val="lt1"/>
+          </a:fontRef>
+        </p:style>
+        <p:txBody>
+          <a:bodyPr rtlCol="0" anchor="ctr"/>
+          <a:lstStyle/>
+          <a:p>
+            <a:pPr algn="ctr"/>
+            <a:endParaRPr lang="en-US">
+              <a:latin typeface="Arial" panose="020B0604020202020204" pitchFamily="34" charset="0"/>
+              <a:cs typeface="Arial" panose="020B0604020202020204" pitchFamily="34" charset="0"/>
+            </a:endParaRPr>
+          </a:p>
+        </p:txBody>
+      </p:sp>
+      <p:pic>
+        <p:nvPicPr>
+          <p:cNvPr id="5" name="Picture 4" descr="A close up of a keyboard&#10;&#10;Description automatically generated">
+            <a:extLst>
+              <a:ext uri="{FF2B5EF4-FFF2-40B4-BE49-F238E27FC236}">
+                <a16:creationId xmlns:a16="http://schemas.microsoft.com/office/drawing/2014/main" id="{89CF435C-C511-412B-B672-E596BF2CD2EA}"/>
+              </a:ext>
+            </a:extLst>
+          </p:cNvPr>
+          <p:cNvPicPr>
+            <a:picLocks noChangeAspect="1"/>
+          </p:cNvPicPr>
+          <p:nvPr/>
+        </p:nvPicPr>
+        <p:blipFill>
+          <a:blip r:embed="rId2">
+            <a:extLst>
+              <a:ext uri="{28A0092B-C50C-407E-A947-70E740481C1C}">
+                <a14:useLocalDpi xmlns:a14="http://schemas.microsoft.com/office/drawing/2010/main" val="0"/>
+              </a:ext>
+            </a:extLst>
+          </a:blip>
+          <a:stretch>
+            <a:fillRect/>
+          </a:stretch>
+        </p:blipFill>
+        <p:spPr>
+          <a:xfrm>
+            <a:off x="1064146" y="1546460"/>
+            <a:ext cx="1711036" cy="748578"/>
+          </a:xfrm>
+          <a:prstGeom prst="rect">
+            <a:avLst/>
+          </a:prstGeom>
+        </p:spPr>
+      </p:pic>
+      <p:sp>
+        <p:nvSpPr>
+          <p:cNvPr id="6" name="TextBox 5">
+            <a:extLst>
+              <a:ext uri="{FF2B5EF4-FFF2-40B4-BE49-F238E27FC236}">
+                <a16:creationId xmlns:a16="http://schemas.microsoft.com/office/drawing/2014/main" id="{3D5E803E-29EB-42A1-8571-352A6D7BBC9A}"/>
+              </a:ext>
+            </a:extLst>
+          </p:cNvPr>
+          <p:cNvSpPr txBox="1"/>
+          <p:nvPr/>
+        </p:nvSpPr>
+        <p:spPr>
+          <a:xfrm>
+            <a:off x="2935489" y="1796311"/>
+            <a:ext cx="1392702" cy="369332"/>
+          </a:xfrm>
+          <a:prstGeom prst="rect">
+            <a:avLst/>
+          </a:prstGeom>
+          <a:noFill/>
+          <a:ln w="57150">
+            <a:solidFill>
+              <a:schemeClr val="tx1"/>
+            </a:solidFill>
+          </a:ln>
+        </p:spPr>
+        <p:txBody>
+          <a:bodyPr wrap="square" rtlCol="0">
+            <a:spAutoFit/>
+          </a:bodyPr>
+          <a:lstStyle/>
+          <a:p>
+            <a:pPr algn="ctr"/>
+            <a:r>
+              <a:rPr lang="en-CA" dirty="0"/>
+              <a:t>Collect data</a:t>
+            </a:r>
+          </a:p>
+        </p:txBody>
+      </p:sp>
+      <p:sp>
+        <p:nvSpPr>
+          <p:cNvPr id="7" name="TextBox 6">
+            <a:extLst>
+              <a:ext uri="{FF2B5EF4-FFF2-40B4-BE49-F238E27FC236}">
+                <a16:creationId xmlns:a16="http://schemas.microsoft.com/office/drawing/2014/main" id="{1680D185-76FE-484D-914B-003472172D2F}"/>
+              </a:ext>
+            </a:extLst>
+          </p:cNvPr>
+          <p:cNvSpPr txBox="1"/>
+          <p:nvPr/>
+        </p:nvSpPr>
+        <p:spPr>
+          <a:xfrm>
+            <a:off x="4822820" y="1796311"/>
+            <a:ext cx="1392702" cy="369332"/>
+          </a:xfrm>
+          <a:prstGeom prst="rect">
+            <a:avLst/>
+          </a:prstGeom>
+          <a:noFill/>
+          <a:ln w="57150">
+            <a:solidFill>
+              <a:schemeClr val="tx1"/>
+            </a:solidFill>
+          </a:ln>
+        </p:spPr>
+        <p:txBody>
+          <a:bodyPr wrap="square" rtlCol="0">
+            <a:spAutoFit/>
+          </a:bodyPr>
+          <a:lstStyle/>
+          <a:p>
+            <a:pPr algn="ctr"/>
+            <a:r>
+              <a:rPr lang="en-CA" dirty="0"/>
+              <a:t>Import to R</a:t>
+            </a:r>
+          </a:p>
+        </p:txBody>
+      </p:sp>
+      <p:sp>
+        <p:nvSpPr>
+          <p:cNvPr id="8" name="TextBox 7">
+            <a:extLst>
+              <a:ext uri="{FF2B5EF4-FFF2-40B4-BE49-F238E27FC236}">
+                <a16:creationId xmlns:a16="http://schemas.microsoft.com/office/drawing/2014/main" id="{A69D4DAA-8E9B-4ECD-8393-368DE45CCDF5}"/>
+              </a:ext>
+            </a:extLst>
+          </p:cNvPr>
+          <p:cNvSpPr txBox="1"/>
+          <p:nvPr/>
+        </p:nvSpPr>
+        <p:spPr>
+          <a:xfrm>
+            <a:off x="4822820" y="2537698"/>
+            <a:ext cx="1392702" cy="646331"/>
+          </a:xfrm>
+          <a:prstGeom prst="rect">
+            <a:avLst/>
+          </a:prstGeom>
+          <a:noFill/>
+          <a:ln w="57150">
+            <a:solidFill>
+              <a:schemeClr val="tx1"/>
+            </a:solidFill>
+          </a:ln>
+        </p:spPr>
+        <p:txBody>
+          <a:bodyPr wrap="square" rtlCol="0">
+            <a:spAutoFit/>
+          </a:bodyPr>
+          <a:lstStyle/>
+          <a:p>
+            <a:pPr algn="ctr"/>
+            <a:r>
+              <a:rPr lang="en-CA" dirty="0"/>
+              <a:t>Clean &amp; Transform</a:t>
+            </a:r>
+          </a:p>
+        </p:txBody>
+      </p:sp>
+      <p:sp>
+        <p:nvSpPr>
+          <p:cNvPr id="9" name="TextBox 8">
+            <a:extLst>
+              <a:ext uri="{FF2B5EF4-FFF2-40B4-BE49-F238E27FC236}">
+                <a16:creationId xmlns:a16="http://schemas.microsoft.com/office/drawing/2014/main" id="{9CE1992B-7012-4A08-B497-CDCDC8538FCA}"/>
+              </a:ext>
+            </a:extLst>
+          </p:cNvPr>
+          <p:cNvSpPr txBox="1"/>
+          <p:nvPr/>
+        </p:nvSpPr>
+        <p:spPr>
+          <a:xfrm>
+            <a:off x="3095214" y="2537697"/>
+            <a:ext cx="1156420" cy="369332"/>
+          </a:xfrm>
+          <a:prstGeom prst="rect">
+            <a:avLst/>
+          </a:prstGeom>
+          <a:noFill/>
+          <a:ln w="57150">
+            <a:solidFill>
+              <a:schemeClr val="tx1"/>
+            </a:solidFill>
+          </a:ln>
+        </p:spPr>
+        <p:txBody>
+          <a:bodyPr wrap="square" rtlCol="0">
+            <a:spAutoFit/>
+          </a:bodyPr>
+          <a:lstStyle/>
+          <a:p>
+            <a:pPr algn="ctr"/>
+            <a:r>
+              <a:rPr lang="en-CA" dirty="0"/>
+              <a:t>Explore</a:t>
+            </a:r>
+          </a:p>
+        </p:txBody>
+      </p:sp>
+      <p:sp>
+        <p:nvSpPr>
+          <p:cNvPr id="10" name="TextBox 9">
+            <a:extLst>
+              <a:ext uri="{FF2B5EF4-FFF2-40B4-BE49-F238E27FC236}">
+                <a16:creationId xmlns:a16="http://schemas.microsoft.com/office/drawing/2014/main" id="{8F3083DB-563A-44C3-BE51-F360E8974F2B}"/>
+              </a:ext>
+            </a:extLst>
+          </p:cNvPr>
+          <p:cNvSpPr txBox="1"/>
+          <p:nvPr/>
+        </p:nvSpPr>
+        <p:spPr>
+          <a:xfrm>
+            <a:off x="1242341" y="2542780"/>
+            <a:ext cx="1392702" cy="369332"/>
+          </a:xfrm>
+          <a:prstGeom prst="rect">
+            <a:avLst/>
+          </a:prstGeom>
+          <a:noFill/>
+          <a:ln w="57150">
+            <a:solidFill>
+              <a:srgbClr val="00B0F0"/>
+            </a:solidFill>
+          </a:ln>
+        </p:spPr>
+        <p:txBody>
+          <a:bodyPr wrap="square" rtlCol="0">
+            <a:spAutoFit/>
+          </a:bodyPr>
+          <a:lstStyle/>
+          <a:p>
+            <a:pPr algn="ctr"/>
+            <a:r>
+              <a:rPr lang="en-CA" b="1" dirty="0"/>
+              <a:t>Model</a:t>
+            </a:r>
+          </a:p>
+        </p:txBody>
+      </p:sp>
+      <p:sp>
+        <p:nvSpPr>
+          <p:cNvPr id="11" name="TextBox 10">
+            <a:extLst>
+              <a:ext uri="{FF2B5EF4-FFF2-40B4-BE49-F238E27FC236}">
+                <a16:creationId xmlns:a16="http://schemas.microsoft.com/office/drawing/2014/main" id="{716157C3-F189-4167-B041-EA07DA031A53}"/>
+              </a:ext>
+            </a:extLst>
+          </p:cNvPr>
+          <p:cNvSpPr txBox="1"/>
+          <p:nvPr/>
+        </p:nvSpPr>
+        <p:spPr>
+          <a:xfrm>
+            <a:off x="1276691" y="3307427"/>
+            <a:ext cx="1324002" cy="369332"/>
+          </a:xfrm>
+          <a:prstGeom prst="rect">
+            <a:avLst/>
+          </a:prstGeom>
+          <a:noFill/>
+          <a:ln w="57150">
+            <a:solidFill>
+              <a:schemeClr val="tx1"/>
+            </a:solidFill>
+          </a:ln>
+        </p:spPr>
+        <p:txBody>
+          <a:bodyPr wrap="square" rtlCol="0">
+            <a:spAutoFit/>
+          </a:bodyPr>
+          <a:lstStyle/>
+          <a:p>
+            <a:pPr algn="ctr"/>
+            <a:r>
+              <a:rPr lang="en-CA" dirty="0"/>
+              <a:t>Interpret</a:t>
+            </a:r>
+          </a:p>
+        </p:txBody>
+      </p:sp>
+      <p:sp>
+        <p:nvSpPr>
+          <p:cNvPr id="12" name="TextBox 11">
+            <a:extLst>
+              <a:ext uri="{FF2B5EF4-FFF2-40B4-BE49-F238E27FC236}">
+                <a16:creationId xmlns:a16="http://schemas.microsoft.com/office/drawing/2014/main" id="{AD1CC0CB-E073-4A80-83F6-3AE427BD20A7}"/>
+              </a:ext>
+            </a:extLst>
+          </p:cNvPr>
+          <p:cNvSpPr txBox="1"/>
+          <p:nvPr/>
+        </p:nvSpPr>
+        <p:spPr>
+          <a:xfrm>
+            <a:off x="3126238" y="3318129"/>
+            <a:ext cx="1540411" cy="369332"/>
+          </a:xfrm>
+          <a:prstGeom prst="rect">
+            <a:avLst/>
+          </a:prstGeom>
+          <a:noFill/>
+          <a:ln w="57150">
+            <a:solidFill>
+              <a:schemeClr val="tx1"/>
+            </a:solidFill>
+          </a:ln>
+        </p:spPr>
+        <p:txBody>
+          <a:bodyPr wrap="square" rtlCol="0">
+            <a:spAutoFit/>
+          </a:bodyPr>
+          <a:lstStyle/>
+          <a:p>
+            <a:pPr algn="ctr"/>
+            <a:r>
+              <a:rPr lang="en-CA" dirty="0"/>
+              <a:t>Communicate</a:t>
+            </a:r>
+          </a:p>
+        </p:txBody>
+      </p:sp>
+      <p:sp>
+        <p:nvSpPr>
+          <p:cNvPr id="13" name="Arrow: Right 12">
+            <a:extLst>
+              <a:ext uri="{FF2B5EF4-FFF2-40B4-BE49-F238E27FC236}">
+                <a16:creationId xmlns:a16="http://schemas.microsoft.com/office/drawing/2014/main" id="{FB71DEBC-21AD-4D0B-B5FA-953F73AF2DAA}"/>
+              </a:ext>
+            </a:extLst>
+          </p:cNvPr>
+          <p:cNvSpPr/>
+          <p:nvPr/>
+        </p:nvSpPr>
+        <p:spPr>
+          <a:xfrm>
+            <a:off x="4328190" y="1826624"/>
+            <a:ext cx="487453" cy="308706"/>
+          </a:xfrm>
+          <a:prstGeom prst="rightArrow">
+            <a:avLst/>
+          </a:prstGeom>
+        </p:spPr>
+        <p:style>
+          <a:lnRef idx="2">
+            <a:schemeClr val="dk1">
+              <a:shade val="50000"/>
+            </a:schemeClr>
+          </a:lnRef>
+          <a:fillRef idx="1">
+            <a:schemeClr val="dk1"/>
+          </a:fillRef>
+          <a:effectRef idx="0">
+            <a:schemeClr val="dk1"/>
+          </a:effectRef>
+          <a:fontRef idx="minor">
+            <a:schemeClr val="lt1"/>
+          </a:fontRef>
+        </p:style>
+        <p:txBody>
+          <a:bodyPr rtlCol="0" anchor="ctr"/>
+          <a:lstStyle/>
+          <a:p>
+            <a:pPr algn="ctr"/>
+            <a:endParaRPr lang="en-CA"/>
+          </a:p>
+        </p:txBody>
+      </p:sp>
+      <p:sp>
+        <p:nvSpPr>
+          <p:cNvPr id="14" name="Arrow: Right 13">
+            <a:extLst>
+              <a:ext uri="{FF2B5EF4-FFF2-40B4-BE49-F238E27FC236}">
+                <a16:creationId xmlns:a16="http://schemas.microsoft.com/office/drawing/2014/main" id="{3B613E0B-23AA-49A8-B689-2ACE8AA67235}"/>
+              </a:ext>
+            </a:extLst>
+          </p:cNvPr>
+          <p:cNvSpPr/>
+          <p:nvPr/>
+        </p:nvSpPr>
+        <p:spPr>
+          <a:xfrm rot="5400000">
+            <a:off x="5352652" y="2199968"/>
+            <a:ext cx="359288" cy="316171"/>
+          </a:xfrm>
+          <a:prstGeom prst="rightArrow">
+            <a:avLst/>
+          </a:prstGeom>
+        </p:spPr>
+        <p:style>
+          <a:lnRef idx="2">
+            <a:schemeClr val="dk1">
+              <a:shade val="50000"/>
+            </a:schemeClr>
+          </a:lnRef>
+          <a:fillRef idx="1">
+            <a:schemeClr val="dk1"/>
+          </a:fillRef>
+          <a:effectRef idx="0">
+            <a:schemeClr val="dk1"/>
+          </a:effectRef>
+          <a:fontRef idx="minor">
+            <a:schemeClr val="lt1"/>
+          </a:fontRef>
+        </p:style>
+        <p:txBody>
+          <a:bodyPr rtlCol="0" anchor="ctr"/>
+          <a:lstStyle/>
+          <a:p>
+            <a:pPr algn="ctr"/>
+            <a:endParaRPr lang="en-CA"/>
+          </a:p>
+        </p:txBody>
+      </p:sp>
+      <p:sp>
+        <p:nvSpPr>
+          <p:cNvPr id="15" name="Arrow: Right 14">
+            <a:extLst>
+              <a:ext uri="{FF2B5EF4-FFF2-40B4-BE49-F238E27FC236}">
+                <a16:creationId xmlns:a16="http://schemas.microsoft.com/office/drawing/2014/main" id="{546BD1EA-438A-4BF5-A392-47551474A8D7}"/>
+              </a:ext>
+            </a:extLst>
+          </p:cNvPr>
+          <p:cNvSpPr/>
+          <p:nvPr/>
+        </p:nvSpPr>
+        <p:spPr>
+          <a:xfrm rot="10800000">
+            <a:off x="4282842" y="2510393"/>
+            <a:ext cx="508770" cy="216827"/>
+          </a:xfrm>
+          <a:prstGeom prst="rightArrow">
+            <a:avLst/>
+          </a:prstGeom>
+        </p:spPr>
+        <p:style>
+          <a:lnRef idx="2">
+            <a:schemeClr val="dk1">
+              <a:shade val="50000"/>
+            </a:schemeClr>
+          </a:lnRef>
+          <a:fillRef idx="1">
+            <a:schemeClr val="dk1"/>
+          </a:fillRef>
+          <a:effectRef idx="0">
+            <a:schemeClr val="dk1"/>
+          </a:effectRef>
+          <a:fontRef idx="minor">
+            <a:schemeClr val="lt1"/>
+          </a:fontRef>
+        </p:style>
+        <p:txBody>
+          <a:bodyPr rtlCol="0" anchor="ctr"/>
+          <a:lstStyle/>
+          <a:p>
+            <a:pPr algn="ctr"/>
+            <a:endParaRPr lang="en-CA"/>
+          </a:p>
+        </p:txBody>
+      </p:sp>
+      <p:sp>
+        <p:nvSpPr>
+          <p:cNvPr id="16" name="Arrow: Right 15">
+            <a:extLst>
+              <a:ext uri="{FF2B5EF4-FFF2-40B4-BE49-F238E27FC236}">
+                <a16:creationId xmlns:a16="http://schemas.microsoft.com/office/drawing/2014/main" id="{3D5FE58A-2D6B-4F41-AAE6-F06C6F87E7FA}"/>
+              </a:ext>
+            </a:extLst>
+          </p:cNvPr>
+          <p:cNvSpPr/>
+          <p:nvPr/>
+        </p:nvSpPr>
+        <p:spPr>
+          <a:xfrm rot="10800000">
+            <a:off x="2669096" y="2569358"/>
+            <a:ext cx="409092" cy="335878"/>
+          </a:xfrm>
+          <a:prstGeom prst="rightArrow">
+            <a:avLst/>
+          </a:prstGeom>
+        </p:spPr>
+        <p:style>
+          <a:lnRef idx="2">
+            <a:schemeClr val="dk1">
+              <a:shade val="50000"/>
+            </a:schemeClr>
+          </a:lnRef>
+          <a:fillRef idx="1">
+            <a:schemeClr val="dk1"/>
+          </a:fillRef>
+          <a:effectRef idx="0">
+            <a:schemeClr val="dk1"/>
+          </a:effectRef>
+          <a:fontRef idx="minor">
+            <a:schemeClr val="lt1"/>
+          </a:fontRef>
+        </p:style>
+        <p:txBody>
+          <a:bodyPr rtlCol="0" anchor="ctr"/>
+          <a:lstStyle/>
+          <a:p>
+            <a:pPr algn="ctr"/>
+            <a:endParaRPr lang="en-CA"/>
+          </a:p>
+        </p:txBody>
+      </p:sp>
+      <p:sp>
+        <p:nvSpPr>
+          <p:cNvPr id="17" name="Arrow: Right 16">
+            <a:extLst>
+              <a:ext uri="{FF2B5EF4-FFF2-40B4-BE49-F238E27FC236}">
+                <a16:creationId xmlns:a16="http://schemas.microsoft.com/office/drawing/2014/main" id="{E63DE0FE-E6F9-4E76-9938-DAB95A3BB4AA}"/>
+              </a:ext>
+            </a:extLst>
+          </p:cNvPr>
+          <p:cNvSpPr/>
+          <p:nvPr/>
+        </p:nvSpPr>
+        <p:spPr>
+          <a:xfrm>
+            <a:off x="2622752" y="3324249"/>
+            <a:ext cx="455435" cy="335878"/>
+          </a:xfrm>
+          <a:prstGeom prst="rightArrow">
+            <a:avLst/>
+          </a:prstGeom>
+        </p:spPr>
+        <p:style>
+          <a:lnRef idx="2">
+            <a:schemeClr val="dk1">
+              <a:shade val="50000"/>
+            </a:schemeClr>
+          </a:lnRef>
+          <a:fillRef idx="1">
+            <a:schemeClr val="dk1"/>
+          </a:fillRef>
+          <a:effectRef idx="0">
+            <a:schemeClr val="dk1"/>
+          </a:effectRef>
+          <a:fontRef idx="minor">
+            <a:schemeClr val="lt1"/>
+          </a:fontRef>
+        </p:style>
+        <p:txBody>
+          <a:bodyPr rtlCol="0" anchor="ctr"/>
+          <a:lstStyle/>
+          <a:p>
+            <a:pPr algn="ctr"/>
+            <a:endParaRPr lang="en-CA"/>
+          </a:p>
+        </p:txBody>
+      </p:sp>
+      <p:sp>
+        <p:nvSpPr>
+          <p:cNvPr id="18" name="Arrow: Right 17">
+            <a:extLst>
+              <a:ext uri="{FF2B5EF4-FFF2-40B4-BE49-F238E27FC236}">
+                <a16:creationId xmlns:a16="http://schemas.microsoft.com/office/drawing/2014/main" id="{03022A6E-33D4-445D-BC75-4EB21A975415}"/>
+              </a:ext>
+            </a:extLst>
+          </p:cNvPr>
+          <p:cNvSpPr/>
+          <p:nvPr/>
+        </p:nvSpPr>
+        <p:spPr>
+          <a:xfrm>
+            <a:off x="4285686" y="2747000"/>
+            <a:ext cx="508770" cy="216827"/>
+          </a:xfrm>
+          <a:prstGeom prst="rightArrow">
+            <a:avLst/>
+          </a:prstGeom>
+        </p:spPr>
+        <p:style>
+          <a:lnRef idx="2">
+            <a:schemeClr val="dk1">
+              <a:shade val="50000"/>
+            </a:schemeClr>
+          </a:lnRef>
+          <a:fillRef idx="1">
+            <a:schemeClr val="dk1"/>
+          </a:fillRef>
+          <a:effectRef idx="0">
+            <a:schemeClr val="dk1"/>
+          </a:effectRef>
+          <a:fontRef idx="minor">
+            <a:schemeClr val="lt1"/>
+          </a:fontRef>
+        </p:style>
+        <p:txBody>
+          <a:bodyPr rtlCol="0" anchor="ctr"/>
+          <a:lstStyle/>
+          <a:p>
+            <a:pPr algn="ctr"/>
+            <a:endParaRPr lang="en-CA"/>
+          </a:p>
+        </p:txBody>
+      </p:sp>
+      <p:sp>
+        <p:nvSpPr>
+          <p:cNvPr id="19" name="Arrow: Right 18">
+            <a:extLst>
+              <a:ext uri="{FF2B5EF4-FFF2-40B4-BE49-F238E27FC236}">
+                <a16:creationId xmlns:a16="http://schemas.microsoft.com/office/drawing/2014/main" id="{222CA461-23B1-417E-9127-9313181DE90D}"/>
+              </a:ext>
+            </a:extLst>
+          </p:cNvPr>
+          <p:cNvSpPr/>
+          <p:nvPr/>
+        </p:nvSpPr>
+        <p:spPr>
+          <a:xfrm rot="5400000">
+            <a:off x="1738338" y="2963822"/>
+            <a:ext cx="359288" cy="316171"/>
+          </a:xfrm>
+          <a:prstGeom prst="rightArrow">
+            <a:avLst/>
+          </a:prstGeom>
+        </p:spPr>
+        <p:style>
+          <a:lnRef idx="2">
+            <a:schemeClr val="dk1">
+              <a:shade val="50000"/>
+            </a:schemeClr>
+          </a:lnRef>
+          <a:fillRef idx="1">
+            <a:schemeClr val="dk1"/>
+          </a:fillRef>
+          <a:effectRef idx="0">
+            <a:schemeClr val="dk1"/>
+          </a:effectRef>
+          <a:fontRef idx="minor">
+            <a:schemeClr val="lt1"/>
+          </a:fontRef>
+        </p:style>
+        <p:txBody>
+          <a:bodyPr rtlCol="0" anchor="ctr"/>
+          <a:lstStyle/>
+          <a:p>
+            <a:pPr algn="ctr"/>
+            <a:endParaRPr lang="en-CA"/>
+          </a:p>
+        </p:txBody>
+      </p:sp>
+    </p:spTree>
+    <p:extLst>
+      <p:ext uri="{BB962C8B-B14F-4D97-AF65-F5344CB8AC3E}">
+        <p14:creationId xmlns:p14="http://schemas.microsoft.com/office/powerpoint/2010/main" val="2701373333"/>
+      </p:ext>
+    </p:extLst>
+  </p:cSld>
+  <p:clrMapOvr>
+    <a:masterClrMapping/>
+  </p:clrMapOvr>
+</p:sld>
+</file>
+
+<file path=ppt/slides/slide7.xml><?xml version="1.0" encoding="utf-8"?>
+<p:sld xmlns:a="http://schemas.openxmlformats.org/drawingml/2006/main" xmlns:r="http://schemas.openxmlformats.org/officeDocument/2006/relationships" xmlns:p="http://schemas.openxmlformats.org/presentationml/2006/main">
+  <p:cSld>
+    <p:spTree>
+      <p:nvGrpSpPr>
+        <p:cNvPr id="1" name=""/>
+        <p:cNvGrpSpPr/>
+        <p:nvPr/>
+      </p:nvGrpSpPr>
+      <p:grpSpPr>
+        <a:xfrm>
+          <a:off x="0" y="0"/>
+          <a:ext cx="0" cy="0"/>
+          <a:chOff x="0" y="0"/>
+          <a:chExt cx="0" cy="0"/>
+        </a:xfrm>
+      </p:grpSpPr>
+      <p:sp>
+        <p:nvSpPr>
+          <p:cNvPr id="2" name="Rectangle 1">
+            <a:extLst>
+              <a:ext uri="{FF2B5EF4-FFF2-40B4-BE49-F238E27FC236}">
+                <a16:creationId xmlns:a16="http://schemas.microsoft.com/office/drawing/2014/main" id="{3211A7A8-67D8-4383-BD4B-92DBD3586D93}"/>
+              </a:ext>
+            </a:extLst>
+          </p:cNvPr>
+          <p:cNvSpPr/>
+          <p:nvPr/>
+        </p:nvSpPr>
+        <p:spPr>
+          <a:xfrm>
+            <a:off x="0" y="2237"/>
+            <a:ext cx="7315200" cy="5375871"/>
+          </a:xfrm>
+          <a:prstGeom prst="rect">
+            <a:avLst/>
+          </a:prstGeom>
+          <a:noFill/>
+          <a:ln>
+            <a:noFill/>
+          </a:ln>
+        </p:spPr>
+        <p:style>
+          <a:lnRef idx="2">
+            <a:schemeClr val="accent1">
+              <a:shade val="50000"/>
+            </a:schemeClr>
+          </a:lnRef>
+          <a:fillRef idx="1">
+            <a:schemeClr val="accent1"/>
+          </a:fillRef>
+          <a:effectRef idx="0">
+            <a:schemeClr val="accent1"/>
+          </a:effectRef>
+          <a:fontRef idx="minor">
+            <a:schemeClr val="lt1"/>
+          </a:fontRef>
+        </p:style>
+        <p:txBody>
+          <a:bodyPr rtlCol="0" anchor="ctr"/>
+          <a:lstStyle/>
+          <a:p>
+            <a:pPr algn="ctr"/>
+            <a:endParaRPr lang="en-US">
+              <a:latin typeface="Arial" panose="020B0604020202020204" pitchFamily="34" charset="0"/>
+              <a:cs typeface="Arial" panose="020B0604020202020204" pitchFamily="34" charset="0"/>
+            </a:endParaRPr>
+          </a:p>
+        </p:txBody>
+      </p:sp>
+      <p:sp>
+        <p:nvSpPr>
+          <p:cNvPr id="3" name="Rectangle 2">
+            <a:extLst>
+              <a:ext uri="{FF2B5EF4-FFF2-40B4-BE49-F238E27FC236}">
+                <a16:creationId xmlns:a16="http://schemas.microsoft.com/office/drawing/2014/main" id="{E710BBA7-BCFB-4EF2-8F6D-B9482F780C02}"/>
+              </a:ext>
+            </a:extLst>
+          </p:cNvPr>
+          <p:cNvSpPr/>
+          <p:nvPr/>
+        </p:nvSpPr>
+        <p:spPr>
+          <a:xfrm>
+            <a:off x="0" y="629162"/>
+            <a:ext cx="7315200" cy="4114800"/>
+          </a:xfrm>
+          <a:prstGeom prst="rect">
+            <a:avLst/>
+          </a:prstGeom>
+          <a:noFill/>
+          <a:ln>
+            <a:noFill/>
+          </a:ln>
+        </p:spPr>
+        <p:style>
+          <a:lnRef idx="2">
+            <a:schemeClr val="accent3">
+              <a:shade val="50000"/>
+            </a:schemeClr>
+          </a:lnRef>
+          <a:fillRef idx="1">
+            <a:schemeClr val="accent3"/>
+          </a:fillRef>
+          <a:effectRef idx="0">
+            <a:schemeClr val="accent3"/>
+          </a:effectRef>
+          <a:fontRef idx="minor">
+            <a:schemeClr val="lt1"/>
+          </a:fontRef>
+        </p:style>
+        <p:txBody>
+          <a:bodyPr rtlCol="0" anchor="ctr"/>
+          <a:lstStyle/>
+          <a:p>
+            <a:pPr algn="ctr"/>
+            <a:endParaRPr lang="en-US" dirty="0">
+              <a:solidFill>
+                <a:schemeClr val="accent2"/>
+              </a:solidFill>
+              <a:latin typeface="Arial" panose="020B0604020202020204" pitchFamily="34" charset="0"/>
+              <a:cs typeface="Arial" panose="020B0604020202020204" pitchFamily="34" charset="0"/>
+            </a:endParaRPr>
+          </a:p>
+        </p:txBody>
+      </p:sp>
+      <p:sp>
+        <p:nvSpPr>
+          <p:cNvPr id="4" name="Rectangle 3">
+            <a:extLst>
+              <a:ext uri="{FF2B5EF4-FFF2-40B4-BE49-F238E27FC236}">
+                <a16:creationId xmlns:a16="http://schemas.microsoft.com/office/drawing/2014/main" id="{5C0651AF-3EE2-4C7F-8621-76DA945965D3}"/>
+              </a:ext>
+            </a:extLst>
+          </p:cNvPr>
+          <p:cNvSpPr/>
+          <p:nvPr/>
+        </p:nvSpPr>
+        <p:spPr>
+          <a:xfrm>
+            <a:off x="7176" y="1427346"/>
+            <a:ext cx="7315200" cy="2560320"/>
+          </a:xfrm>
+          <a:prstGeom prst="rect">
+            <a:avLst/>
+          </a:prstGeom>
+          <a:noFill/>
+          <a:ln>
+            <a:noFill/>
+          </a:ln>
+        </p:spPr>
+        <p:style>
+          <a:lnRef idx="2">
+            <a:schemeClr val="accent1">
+              <a:shade val="50000"/>
+            </a:schemeClr>
+          </a:lnRef>
+          <a:fillRef idx="1">
+            <a:schemeClr val="accent1"/>
+          </a:fillRef>
+          <a:effectRef idx="0">
+            <a:schemeClr val="accent1"/>
+          </a:effectRef>
+          <a:fontRef idx="minor">
+            <a:schemeClr val="lt1"/>
+          </a:fontRef>
+        </p:style>
+        <p:txBody>
+          <a:bodyPr rtlCol="0" anchor="ctr"/>
+          <a:lstStyle/>
+          <a:p>
+            <a:pPr algn="ctr"/>
+            <a:endParaRPr lang="en-US">
+              <a:latin typeface="Arial" panose="020B0604020202020204" pitchFamily="34" charset="0"/>
+              <a:cs typeface="Arial" panose="020B0604020202020204" pitchFamily="34" charset="0"/>
+            </a:endParaRPr>
+          </a:p>
+        </p:txBody>
+      </p:sp>
+      <p:pic>
+        <p:nvPicPr>
+          <p:cNvPr id="5" name="Picture 4" descr="A close up of a keyboard&#10;&#10;Description automatically generated">
+            <a:extLst>
+              <a:ext uri="{FF2B5EF4-FFF2-40B4-BE49-F238E27FC236}">
+                <a16:creationId xmlns:a16="http://schemas.microsoft.com/office/drawing/2014/main" id="{457E3D86-D33F-4AE2-AEB1-633366D8B3B0}"/>
+              </a:ext>
+            </a:extLst>
+          </p:cNvPr>
+          <p:cNvPicPr>
+            <a:picLocks noChangeAspect="1"/>
+          </p:cNvPicPr>
+          <p:nvPr/>
+        </p:nvPicPr>
+        <p:blipFill>
+          <a:blip r:embed="rId2">
+            <a:extLst>
+              <a:ext uri="{28A0092B-C50C-407E-A947-70E740481C1C}">
+                <a14:useLocalDpi xmlns:a14="http://schemas.microsoft.com/office/drawing/2010/main" val="0"/>
+              </a:ext>
+            </a:extLst>
+          </a:blip>
+          <a:stretch>
+            <a:fillRect/>
+          </a:stretch>
+        </p:blipFill>
+        <p:spPr>
+          <a:xfrm>
+            <a:off x="1064146" y="1546460"/>
+            <a:ext cx="1711036" cy="748578"/>
+          </a:xfrm>
+          <a:prstGeom prst="rect">
+            <a:avLst/>
+          </a:prstGeom>
+        </p:spPr>
+      </p:pic>
+      <p:sp>
+        <p:nvSpPr>
+          <p:cNvPr id="6" name="TextBox 5">
+            <a:extLst>
+              <a:ext uri="{FF2B5EF4-FFF2-40B4-BE49-F238E27FC236}">
+                <a16:creationId xmlns:a16="http://schemas.microsoft.com/office/drawing/2014/main" id="{0D403D7C-A27E-4DC6-ADD6-ADDA1301C818}"/>
+              </a:ext>
+            </a:extLst>
+          </p:cNvPr>
+          <p:cNvSpPr txBox="1"/>
+          <p:nvPr/>
+        </p:nvSpPr>
+        <p:spPr>
+          <a:xfrm>
+            <a:off x="2935489" y="1796311"/>
+            <a:ext cx="1392702" cy="369332"/>
+          </a:xfrm>
+          <a:prstGeom prst="rect">
+            <a:avLst/>
+          </a:prstGeom>
+          <a:noFill/>
+          <a:ln w="57150">
+            <a:solidFill>
+              <a:schemeClr val="tx1"/>
+            </a:solidFill>
+          </a:ln>
+        </p:spPr>
+        <p:txBody>
+          <a:bodyPr wrap="square" rtlCol="0">
+            <a:spAutoFit/>
+          </a:bodyPr>
+          <a:lstStyle/>
+          <a:p>
+            <a:pPr algn="ctr"/>
+            <a:r>
+              <a:rPr lang="en-CA" dirty="0"/>
+              <a:t>Collect data</a:t>
+            </a:r>
+          </a:p>
+        </p:txBody>
+      </p:sp>
+      <p:sp>
+        <p:nvSpPr>
+          <p:cNvPr id="7" name="TextBox 6">
+            <a:extLst>
+              <a:ext uri="{FF2B5EF4-FFF2-40B4-BE49-F238E27FC236}">
+                <a16:creationId xmlns:a16="http://schemas.microsoft.com/office/drawing/2014/main" id="{E3E4B88C-E7E6-4D58-8F37-DFAD008FD54C}"/>
+              </a:ext>
+            </a:extLst>
+          </p:cNvPr>
+          <p:cNvSpPr txBox="1"/>
+          <p:nvPr/>
+        </p:nvSpPr>
+        <p:spPr>
+          <a:xfrm>
+            <a:off x="4822820" y="1796311"/>
+            <a:ext cx="1392702" cy="369332"/>
+          </a:xfrm>
+          <a:prstGeom prst="rect">
+            <a:avLst/>
+          </a:prstGeom>
+          <a:noFill/>
+          <a:ln w="57150">
+            <a:solidFill>
+              <a:schemeClr val="tx1"/>
+            </a:solidFill>
+          </a:ln>
+        </p:spPr>
+        <p:txBody>
+          <a:bodyPr wrap="square" rtlCol="0">
+            <a:spAutoFit/>
+          </a:bodyPr>
+          <a:lstStyle/>
+          <a:p>
+            <a:pPr algn="ctr"/>
+            <a:r>
+              <a:rPr lang="en-CA" dirty="0"/>
+              <a:t>Import to R</a:t>
+            </a:r>
+          </a:p>
+        </p:txBody>
+      </p:sp>
+      <p:sp>
+        <p:nvSpPr>
+          <p:cNvPr id="8" name="TextBox 7">
+            <a:extLst>
+              <a:ext uri="{FF2B5EF4-FFF2-40B4-BE49-F238E27FC236}">
+                <a16:creationId xmlns:a16="http://schemas.microsoft.com/office/drawing/2014/main" id="{B5093090-B633-49DE-A847-ECEEDB8FD0D3}"/>
+              </a:ext>
+            </a:extLst>
+          </p:cNvPr>
+          <p:cNvSpPr txBox="1"/>
+          <p:nvPr/>
+        </p:nvSpPr>
+        <p:spPr>
+          <a:xfrm>
+            <a:off x="4822820" y="2537698"/>
+            <a:ext cx="1392702" cy="646331"/>
+          </a:xfrm>
+          <a:prstGeom prst="rect">
+            <a:avLst/>
+          </a:prstGeom>
+          <a:noFill/>
+          <a:ln w="57150">
+            <a:solidFill>
+              <a:schemeClr val="tx1"/>
+            </a:solidFill>
+          </a:ln>
+        </p:spPr>
+        <p:txBody>
+          <a:bodyPr wrap="square" rtlCol="0">
+            <a:spAutoFit/>
+          </a:bodyPr>
+          <a:lstStyle/>
+          <a:p>
+            <a:pPr algn="ctr"/>
+            <a:r>
+              <a:rPr lang="en-CA" dirty="0"/>
+              <a:t>Clean &amp; Transform</a:t>
+            </a:r>
+          </a:p>
+        </p:txBody>
+      </p:sp>
+      <p:sp>
+        <p:nvSpPr>
+          <p:cNvPr id="9" name="TextBox 8">
+            <a:extLst>
+              <a:ext uri="{FF2B5EF4-FFF2-40B4-BE49-F238E27FC236}">
+                <a16:creationId xmlns:a16="http://schemas.microsoft.com/office/drawing/2014/main" id="{AC019793-8C51-43B4-8416-F6EBD215ADE7}"/>
+              </a:ext>
+            </a:extLst>
+          </p:cNvPr>
+          <p:cNvSpPr txBox="1"/>
+          <p:nvPr/>
+        </p:nvSpPr>
+        <p:spPr>
+          <a:xfrm>
+            <a:off x="3095214" y="2537697"/>
+            <a:ext cx="1156420" cy="369332"/>
+          </a:xfrm>
+          <a:prstGeom prst="rect">
+            <a:avLst/>
+          </a:prstGeom>
+          <a:noFill/>
+          <a:ln w="57150">
+            <a:solidFill>
+              <a:schemeClr val="tx1"/>
+            </a:solidFill>
+          </a:ln>
+        </p:spPr>
+        <p:txBody>
+          <a:bodyPr wrap="square" rtlCol="0">
+            <a:spAutoFit/>
+          </a:bodyPr>
+          <a:lstStyle/>
+          <a:p>
+            <a:pPr algn="ctr"/>
+            <a:r>
+              <a:rPr lang="en-CA" dirty="0"/>
+              <a:t>Explore</a:t>
+            </a:r>
+          </a:p>
+        </p:txBody>
+      </p:sp>
+      <p:sp>
+        <p:nvSpPr>
+          <p:cNvPr id="10" name="TextBox 9">
+            <a:extLst>
+              <a:ext uri="{FF2B5EF4-FFF2-40B4-BE49-F238E27FC236}">
+                <a16:creationId xmlns:a16="http://schemas.microsoft.com/office/drawing/2014/main" id="{8AF44771-678E-4778-8AB9-068D9B27093F}"/>
+              </a:ext>
+            </a:extLst>
+          </p:cNvPr>
+          <p:cNvSpPr txBox="1"/>
+          <p:nvPr/>
+        </p:nvSpPr>
+        <p:spPr>
+          <a:xfrm>
+            <a:off x="1242341" y="2542780"/>
+            <a:ext cx="1392702" cy="369332"/>
+          </a:xfrm>
+          <a:prstGeom prst="rect">
+            <a:avLst/>
+          </a:prstGeom>
+          <a:noFill/>
+          <a:ln w="57150">
+            <a:solidFill>
+              <a:schemeClr val="tx1"/>
+            </a:solidFill>
+          </a:ln>
+        </p:spPr>
+        <p:txBody>
+          <a:bodyPr wrap="square" rtlCol="0">
+            <a:spAutoFit/>
+          </a:bodyPr>
+          <a:lstStyle/>
+          <a:p>
+            <a:pPr algn="ctr"/>
+            <a:r>
+              <a:rPr lang="en-CA" dirty="0"/>
+              <a:t>Model</a:t>
+            </a:r>
+          </a:p>
+        </p:txBody>
+      </p:sp>
+      <p:sp>
+        <p:nvSpPr>
+          <p:cNvPr id="11" name="TextBox 10">
+            <a:extLst>
+              <a:ext uri="{FF2B5EF4-FFF2-40B4-BE49-F238E27FC236}">
+                <a16:creationId xmlns:a16="http://schemas.microsoft.com/office/drawing/2014/main" id="{4BC5EE6A-ED33-4EE8-A8F4-0D9184E3A6C8}"/>
+              </a:ext>
+            </a:extLst>
+          </p:cNvPr>
+          <p:cNvSpPr txBox="1"/>
+          <p:nvPr/>
+        </p:nvSpPr>
+        <p:spPr>
+          <a:xfrm>
+            <a:off x="1276691" y="3307427"/>
+            <a:ext cx="1324002" cy="369332"/>
+          </a:xfrm>
+          <a:prstGeom prst="rect">
+            <a:avLst/>
+          </a:prstGeom>
+          <a:noFill/>
+          <a:ln w="57150">
+            <a:solidFill>
+              <a:srgbClr val="00B0F0"/>
+            </a:solidFill>
+          </a:ln>
+        </p:spPr>
+        <p:txBody>
+          <a:bodyPr wrap="square" rtlCol="0">
+            <a:spAutoFit/>
+          </a:bodyPr>
+          <a:lstStyle/>
+          <a:p>
+            <a:pPr algn="ctr"/>
+            <a:r>
+              <a:rPr lang="en-CA" b="1" dirty="0"/>
+              <a:t>Interpret</a:t>
+            </a:r>
+          </a:p>
+        </p:txBody>
+      </p:sp>
+      <p:sp>
+        <p:nvSpPr>
+          <p:cNvPr id="12" name="TextBox 11">
+            <a:extLst>
+              <a:ext uri="{FF2B5EF4-FFF2-40B4-BE49-F238E27FC236}">
+                <a16:creationId xmlns:a16="http://schemas.microsoft.com/office/drawing/2014/main" id="{09E1E475-67A6-405F-BDF4-A9D42012A9C3}"/>
+              </a:ext>
+            </a:extLst>
+          </p:cNvPr>
+          <p:cNvSpPr txBox="1"/>
+          <p:nvPr/>
+        </p:nvSpPr>
+        <p:spPr>
+          <a:xfrm>
+            <a:off x="3126238" y="3318129"/>
+            <a:ext cx="1540411" cy="369332"/>
+          </a:xfrm>
+          <a:prstGeom prst="rect">
+            <a:avLst/>
+          </a:prstGeom>
+          <a:noFill/>
+          <a:ln w="57150">
+            <a:solidFill>
+              <a:schemeClr val="tx1"/>
+            </a:solidFill>
+          </a:ln>
+        </p:spPr>
+        <p:txBody>
+          <a:bodyPr wrap="square" rtlCol="0">
+            <a:spAutoFit/>
+          </a:bodyPr>
+          <a:lstStyle/>
+          <a:p>
+            <a:pPr algn="ctr"/>
+            <a:r>
+              <a:rPr lang="en-CA" dirty="0"/>
+              <a:t>Communicate</a:t>
+            </a:r>
+          </a:p>
+        </p:txBody>
+      </p:sp>
+      <p:sp>
+        <p:nvSpPr>
+          <p:cNvPr id="13" name="Arrow: Right 12">
+            <a:extLst>
+              <a:ext uri="{FF2B5EF4-FFF2-40B4-BE49-F238E27FC236}">
+                <a16:creationId xmlns:a16="http://schemas.microsoft.com/office/drawing/2014/main" id="{DE380E7C-9C7E-4702-B4D2-36C073152F04}"/>
+              </a:ext>
+            </a:extLst>
+          </p:cNvPr>
+          <p:cNvSpPr/>
+          <p:nvPr/>
+        </p:nvSpPr>
+        <p:spPr>
+          <a:xfrm>
+            <a:off x="4328190" y="1826624"/>
+            <a:ext cx="487453" cy="308706"/>
+          </a:xfrm>
+          <a:prstGeom prst="rightArrow">
+            <a:avLst/>
+          </a:prstGeom>
+        </p:spPr>
+        <p:style>
+          <a:lnRef idx="2">
+            <a:schemeClr val="dk1">
+              <a:shade val="50000"/>
+            </a:schemeClr>
+          </a:lnRef>
+          <a:fillRef idx="1">
+            <a:schemeClr val="dk1"/>
+          </a:fillRef>
+          <a:effectRef idx="0">
+            <a:schemeClr val="dk1"/>
+          </a:effectRef>
+          <a:fontRef idx="minor">
+            <a:schemeClr val="lt1"/>
+          </a:fontRef>
+        </p:style>
+        <p:txBody>
+          <a:bodyPr rtlCol="0" anchor="ctr"/>
+          <a:lstStyle/>
+          <a:p>
+            <a:pPr algn="ctr"/>
+            <a:endParaRPr lang="en-CA"/>
+          </a:p>
+        </p:txBody>
+      </p:sp>
+      <p:sp>
+        <p:nvSpPr>
+          <p:cNvPr id="14" name="Arrow: Right 13">
+            <a:extLst>
+              <a:ext uri="{FF2B5EF4-FFF2-40B4-BE49-F238E27FC236}">
+                <a16:creationId xmlns:a16="http://schemas.microsoft.com/office/drawing/2014/main" id="{F27729B3-CA8E-4015-A714-E68177B2F160}"/>
+              </a:ext>
+            </a:extLst>
+          </p:cNvPr>
+          <p:cNvSpPr/>
+          <p:nvPr/>
+        </p:nvSpPr>
+        <p:spPr>
+          <a:xfrm rot="5400000">
+            <a:off x="5352652" y="2199968"/>
+            <a:ext cx="359288" cy="316171"/>
+          </a:xfrm>
+          <a:prstGeom prst="rightArrow">
+            <a:avLst/>
+          </a:prstGeom>
+        </p:spPr>
+        <p:style>
+          <a:lnRef idx="2">
+            <a:schemeClr val="dk1">
+              <a:shade val="50000"/>
+            </a:schemeClr>
+          </a:lnRef>
+          <a:fillRef idx="1">
+            <a:schemeClr val="dk1"/>
+          </a:fillRef>
+          <a:effectRef idx="0">
+            <a:schemeClr val="dk1"/>
+          </a:effectRef>
+          <a:fontRef idx="minor">
+            <a:schemeClr val="lt1"/>
+          </a:fontRef>
+        </p:style>
+        <p:txBody>
+          <a:bodyPr rtlCol="0" anchor="ctr"/>
+          <a:lstStyle/>
+          <a:p>
+            <a:pPr algn="ctr"/>
+            <a:endParaRPr lang="en-CA"/>
+          </a:p>
+        </p:txBody>
+      </p:sp>
+      <p:sp>
+        <p:nvSpPr>
+          <p:cNvPr id="15" name="Arrow: Right 14">
+            <a:extLst>
+              <a:ext uri="{FF2B5EF4-FFF2-40B4-BE49-F238E27FC236}">
+                <a16:creationId xmlns:a16="http://schemas.microsoft.com/office/drawing/2014/main" id="{F1120C1E-5515-4871-9CE7-2261A32A67E2}"/>
+              </a:ext>
+            </a:extLst>
+          </p:cNvPr>
+          <p:cNvSpPr/>
+          <p:nvPr/>
+        </p:nvSpPr>
+        <p:spPr>
+          <a:xfrm rot="10800000">
+            <a:off x="4282842" y="2510393"/>
+            <a:ext cx="508770" cy="216827"/>
+          </a:xfrm>
+          <a:prstGeom prst="rightArrow">
+            <a:avLst/>
+          </a:prstGeom>
+        </p:spPr>
+        <p:style>
+          <a:lnRef idx="2">
+            <a:schemeClr val="dk1">
+              <a:shade val="50000"/>
+            </a:schemeClr>
+          </a:lnRef>
+          <a:fillRef idx="1">
+            <a:schemeClr val="dk1"/>
+          </a:fillRef>
+          <a:effectRef idx="0">
+            <a:schemeClr val="dk1"/>
+          </a:effectRef>
+          <a:fontRef idx="minor">
+            <a:schemeClr val="lt1"/>
+          </a:fontRef>
+        </p:style>
+        <p:txBody>
+          <a:bodyPr rtlCol="0" anchor="ctr"/>
+          <a:lstStyle/>
+          <a:p>
+            <a:pPr algn="ctr"/>
+            <a:endParaRPr lang="en-CA"/>
+          </a:p>
+        </p:txBody>
+      </p:sp>
+      <p:sp>
+        <p:nvSpPr>
+          <p:cNvPr id="16" name="Arrow: Right 15">
+            <a:extLst>
+              <a:ext uri="{FF2B5EF4-FFF2-40B4-BE49-F238E27FC236}">
+                <a16:creationId xmlns:a16="http://schemas.microsoft.com/office/drawing/2014/main" id="{DA67EE14-CD27-4FE4-BD38-3673A0D2C094}"/>
+              </a:ext>
+            </a:extLst>
+          </p:cNvPr>
+          <p:cNvSpPr/>
+          <p:nvPr/>
+        </p:nvSpPr>
+        <p:spPr>
+          <a:xfrm rot="10800000">
+            <a:off x="2669096" y="2569358"/>
+            <a:ext cx="409092" cy="335878"/>
+          </a:xfrm>
+          <a:prstGeom prst="rightArrow">
+            <a:avLst/>
+          </a:prstGeom>
+        </p:spPr>
+        <p:style>
+          <a:lnRef idx="2">
+            <a:schemeClr val="dk1">
+              <a:shade val="50000"/>
+            </a:schemeClr>
+          </a:lnRef>
+          <a:fillRef idx="1">
+            <a:schemeClr val="dk1"/>
+          </a:fillRef>
+          <a:effectRef idx="0">
+            <a:schemeClr val="dk1"/>
+          </a:effectRef>
+          <a:fontRef idx="minor">
+            <a:schemeClr val="lt1"/>
+          </a:fontRef>
+        </p:style>
+        <p:txBody>
+          <a:bodyPr rtlCol="0" anchor="ctr"/>
+          <a:lstStyle/>
+          <a:p>
+            <a:pPr algn="ctr"/>
+            <a:endParaRPr lang="en-CA"/>
+          </a:p>
+        </p:txBody>
+      </p:sp>
+      <p:sp>
+        <p:nvSpPr>
+          <p:cNvPr id="17" name="Arrow: Right 16">
+            <a:extLst>
+              <a:ext uri="{FF2B5EF4-FFF2-40B4-BE49-F238E27FC236}">
+                <a16:creationId xmlns:a16="http://schemas.microsoft.com/office/drawing/2014/main" id="{E71C759D-2AA9-47FA-B9B5-20435970FE12}"/>
+              </a:ext>
+            </a:extLst>
+          </p:cNvPr>
+          <p:cNvSpPr/>
+          <p:nvPr/>
+        </p:nvSpPr>
+        <p:spPr>
+          <a:xfrm>
+            <a:off x="2622752" y="3324249"/>
+            <a:ext cx="455435" cy="335878"/>
+          </a:xfrm>
+          <a:prstGeom prst="rightArrow">
+            <a:avLst/>
+          </a:prstGeom>
+        </p:spPr>
+        <p:style>
+          <a:lnRef idx="2">
+            <a:schemeClr val="dk1">
+              <a:shade val="50000"/>
+            </a:schemeClr>
+          </a:lnRef>
+          <a:fillRef idx="1">
+            <a:schemeClr val="dk1"/>
+          </a:fillRef>
+          <a:effectRef idx="0">
+            <a:schemeClr val="dk1"/>
+          </a:effectRef>
+          <a:fontRef idx="minor">
+            <a:schemeClr val="lt1"/>
+          </a:fontRef>
+        </p:style>
+        <p:txBody>
+          <a:bodyPr rtlCol="0" anchor="ctr"/>
+          <a:lstStyle/>
+          <a:p>
+            <a:pPr algn="ctr"/>
+            <a:endParaRPr lang="en-CA"/>
+          </a:p>
+        </p:txBody>
+      </p:sp>
+      <p:sp>
+        <p:nvSpPr>
+          <p:cNvPr id="18" name="Arrow: Right 17">
+            <a:extLst>
+              <a:ext uri="{FF2B5EF4-FFF2-40B4-BE49-F238E27FC236}">
+                <a16:creationId xmlns:a16="http://schemas.microsoft.com/office/drawing/2014/main" id="{EFB13EFB-D661-452F-BA36-EF3D53F816B5}"/>
+              </a:ext>
+            </a:extLst>
+          </p:cNvPr>
+          <p:cNvSpPr/>
+          <p:nvPr/>
+        </p:nvSpPr>
+        <p:spPr>
+          <a:xfrm>
+            <a:off x="4285686" y="2747000"/>
+            <a:ext cx="508770" cy="216827"/>
+          </a:xfrm>
+          <a:prstGeom prst="rightArrow">
+            <a:avLst/>
+          </a:prstGeom>
+        </p:spPr>
+        <p:style>
+          <a:lnRef idx="2">
+            <a:schemeClr val="dk1">
+              <a:shade val="50000"/>
+            </a:schemeClr>
+          </a:lnRef>
+          <a:fillRef idx="1">
+            <a:schemeClr val="dk1"/>
+          </a:fillRef>
+          <a:effectRef idx="0">
+            <a:schemeClr val="dk1"/>
+          </a:effectRef>
+          <a:fontRef idx="minor">
+            <a:schemeClr val="lt1"/>
+          </a:fontRef>
+        </p:style>
+        <p:txBody>
+          <a:bodyPr rtlCol="0" anchor="ctr"/>
+          <a:lstStyle/>
+          <a:p>
+            <a:pPr algn="ctr"/>
+            <a:endParaRPr lang="en-CA"/>
+          </a:p>
+        </p:txBody>
+      </p:sp>
+      <p:sp>
+        <p:nvSpPr>
+          <p:cNvPr id="19" name="Arrow: Right 18">
+            <a:extLst>
+              <a:ext uri="{FF2B5EF4-FFF2-40B4-BE49-F238E27FC236}">
+                <a16:creationId xmlns:a16="http://schemas.microsoft.com/office/drawing/2014/main" id="{04780006-CE10-4D62-92FD-CA1A65BA7D90}"/>
+              </a:ext>
+            </a:extLst>
+          </p:cNvPr>
+          <p:cNvSpPr/>
+          <p:nvPr/>
+        </p:nvSpPr>
+        <p:spPr>
+          <a:xfrm rot="5400000">
+            <a:off x="1738338" y="2963822"/>
+            <a:ext cx="359288" cy="316171"/>
+          </a:xfrm>
+          <a:prstGeom prst="rightArrow">
+            <a:avLst/>
+          </a:prstGeom>
+        </p:spPr>
+        <p:style>
+          <a:lnRef idx="2">
+            <a:schemeClr val="dk1">
+              <a:shade val="50000"/>
+            </a:schemeClr>
+          </a:lnRef>
+          <a:fillRef idx="1">
+            <a:schemeClr val="dk1"/>
+          </a:fillRef>
+          <a:effectRef idx="0">
+            <a:schemeClr val="dk1"/>
+          </a:effectRef>
+          <a:fontRef idx="minor">
+            <a:schemeClr val="lt1"/>
+          </a:fontRef>
+        </p:style>
+        <p:txBody>
+          <a:bodyPr rtlCol="0" anchor="ctr"/>
+          <a:lstStyle/>
+          <a:p>
+            <a:pPr algn="ctr"/>
+            <a:endParaRPr lang="en-CA"/>
+          </a:p>
+        </p:txBody>
+      </p:sp>
+    </p:spTree>
+    <p:extLst>
+      <p:ext uri="{BB962C8B-B14F-4D97-AF65-F5344CB8AC3E}">
+        <p14:creationId xmlns:p14="http://schemas.microsoft.com/office/powerpoint/2010/main" val="3920824831"/>
+      </p:ext>
+    </p:extLst>
+  </p:cSld>
+  <p:clrMapOvr>
+    <a:masterClrMapping/>
+  </p:clrMapOvr>
+</p:sld>
+</file>
+
+<file path=ppt/slides/slide8.xml><?xml version="1.0" encoding="utf-8"?>
+<p:sld xmlns:a="http://schemas.openxmlformats.org/drawingml/2006/main" xmlns:r="http://schemas.openxmlformats.org/officeDocument/2006/relationships" xmlns:p="http://schemas.openxmlformats.org/presentationml/2006/main">
+  <p:cSld>
+    <p:spTree>
+      <p:nvGrpSpPr>
+        <p:cNvPr id="1" name=""/>
+        <p:cNvGrpSpPr/>
+        <p:nvPr/>
+      </p:nvGrpSpPr>
+      <p:grpSpPr>
+        <a:xfrm>
+          <a:off x="0" y="0"/>
+          <a:ext cx="0" cy="0"/>
+          <a:chOff x="0" y="0"/>
+          <a:chExt cx="0" cy="0"/>
+        </a:xfrm>
+      </p:grpSpPr>
+      <p:sp>
+        <p:nvSpPr>
+          <p:cNvPr id="2" name="Rectangle 1">
+            <a:extLst>
+              <a:ext uri="{FF2B5EF4-FFF2-40B4-BE49-F238E27FC236}">
+                <a16:creationId xmlns:a16="http://schemas.microsoft.com/office/drawing/2014/main" id="{BDB6455A-EF68-48AC-AE2D-3FD797C6561B}"/>
+              </a:ext>
+            </a:extLst>
+          </p:cNvPr>
+          <p:cNvSpPr/>
+          <p:nvPr/>
+        </p:nvSpPr>
+        <p:spPr>
+          <a:xfrm>
+            <a:off x="0" y="2237"/>
+            <a:ext cx="7315200" cy="5375871"/>
+          </a:xfrm>
+          <a:prstGeom prst="rect">
+            <a:avLst/>
+          </a:prstGeom>
+          <a:noFill/>
+          <a:ln>
+            <a:noFill/>
+          </a:ln>
+        </p:spPr>
+        <p:style>
+          <a:lnRef idx="2">
+            <a:schemeClr val="accent1">
+              <a:shade val="50000"/>
+            </a:schemeClr>
+          </a:lnRef>
+          <a:fillRef idx="1">
+            <a:schemeClr val="accent1"/>
+          </a:fillRef>
+          <a:effectRef idx="0">
+            <a:schemeClr val="accent1"/>
+          </a:effectRef>
+          <a:fontRef idx="minor">
+            <a:schemeClr val="lt1"/>
+          </a:fontRef>
+        </p:style>
+        <p:txBody>
+          <a:bodyPr rtlCol="0" anchor="ctr"/>
+          <a:lstStyle/>
+          <a:p>
+            <a:pPr algn="ctr"/>
+            <a:endParaRPr lang="en-US">
+              <a:latin typeface="Arial" panose="020B0604020202020204" pitchFamily="34" charset="0"/>
+              <a:cs typeface="Arial" panose="020B0604020202020204" pitchFamily="34" charset="0"/>
+            </a:endParaRPr>
+          </a:p>
+        </p:txBody>
+      </p:sp>
+      <p:sp>
+        <p:nvSpPr>
+          <p:cNvPr id="3" name="Rectangle 2">
+            <a:extLst>
+              <a:ext uri="{FF2B5EF4-FFF2-40B4-BE49-F238E27FC236}">
+                <a16:creationId xmlns:a16="http://schemas.microsoft.com/office/drawing/2014/main" id="{916E43E2-10E4-412E-91E7-921B4D309B0C}"/>
+              </a:ext>
+            </a:extLst>
+          </p:cNvPr>
+          <p:cNvSpPr/>
+          <p:nvPr/>
+        </p:nvSpPr>
+        <p:spPr>
+          <a:xfrm>
+            <a:off x="0" y="629162"/>
+            <a:ext cx="7315200" cy="4114800"/>
+          </a:xfrm>
+          <a:prstGeom prst="rect">
+            <a:avLst/>
+          </a:prstGeom>
+          <a:noFill/>
+          <a:ln>
+            <a:noFill/>
+          </a:ln>
+        </p:spPr>
+        <p:style>
+          <a:lnRef idx="2">
+            <a:schemeClr val="accent3">
+              <a:shade val="50000"/>
+            </a:schemeClr>
+          </a:lnRef>
+          <a:fillRef idx="1">
+            <a:schemeClr val="accent3"/>
+          </a:fillRef>
+          <a:effectRef idx="0">
+            <a:schemeClr val="accent3"/>
+          </a:effectRef>
+          <a:fontRef idx="minor">
+            <a:schemeClr val="lt1"/>
+          </a:fontRef>
+        </p:style>
+        <p:txBody>
+          <a:bodyPr rtlCol="0" anchor="ctr"/>
+          <a:lstStyle/>
+          <a:p>
+            <a:pPr algn="ctr"/>
+            <a:endParaRPr lang="en-US" dirty="0">
+              <a:solidFill>
+                <a:schemeClr val="accent2"/>
+              </a:solidFill>
+              <a:latin typeface="Arial" panose="020B0604020202020204" pitchFamily="34" charset="0"/>
+              <a:cs typeface="Arial" panose="020B0604020202020204" pitchFamily="34" charset="0"/>
+            </a:endParaRPr>
+          </a:p>
+        </p:txBody>
+      </p:sp>
+      <p:sp>
+        <p:nvSpPr>
+          <p:cNvPr id="4" name="Rectangle 3">
+            <a:extLst>
+              <a:ext uri="{FF2B5EF4-FFF2-40B4-BE49-F238E27FC236}">
+                <a16:creationId xmlns:a16="http://schemas.microsoft.com/office/drawing/2014/main" id="{D523F6D7-667B-4009-8518-9D64ABA39A93}"/>
+              </a:ext>
+            </a:extLst>
+          </p:cNvPr>
+          <p:cNvSpPr/>
+          <p:nvPr/>
+        </p:nvSpPr>
+        <p:spPr>
+          <a:xfrm>
+            <a:off x="7176" y="1427346"/>
+            <a:ext cx="7315200" cy="2560320"/>
+          </a:xfrm>
+          <a:prstGeom prst="rect">
+            <a:avLst/>
+          </a:prstGeom>
+          <a:noFill/>
+          <a:ln>
+            <a:noFill/>
+          </a:ln>
+        </p:spPr>
+        <p:style>
+          <a:lnRef idx="2">
+            <a:schemeClr val="accent1">
+              <a:shade val="50000"/>
+            </a:schemeClr>
+          </a:lnRef>
+          <a:fillRef idx="1">
+            <a:schemeClr val="accent1"/>
+          </a:fillRef>
+          <a:effectRef idx="0">
+            <a:schemeClr val="accent1"/>
+          </a:effectRef>
+          <a:fontRef idx="minor">
+            <a:schemeClr val="lt1"/>
+          </a:fontRef>
+        </p:style>
+        <p:txBody>
+          <a:bodyPr rtlCol="0" anchor="ctr"/>
+          <a:lstStyle/>
+          <a:p>
+            <a:pPr algn="ctr"/>
+            <a:endParaRPr lang="en-US">
+              <a:latin typeface="Arial" panose="020B0604020202020204" pitchFamily="34" charset="0"/>
+              <a:cs typeface="Arial" panose="020B0604020202020204" pitchFamily="34" charset="0"/>
+            </a:endParaRPr>
+          </a:p>
+        </p:txBody>
+      </p:sp>
+      <p:pic>
+        <p:nvPicPr>
+          <p:cNvPr id="5" name="Picture 4" descr="A close up of a keyboard&#10;&#10;Description automatically generated">
+            <a:extLst>
+              <a:ext uri="{FF2B5EF4-FFF2-40B4-BE49-F238E27FC236}">
+                <a16:creationId xmlns:a16="http://schemas.microsoft.com/office/drawing/2014/main" id="{5F1E3BEF-5110-4D16-8246-B75C1A00F706}"/>
+              </a:ext>
+            </a:extLst>
+          </p:cNvPr>
+          <p:cNvPicPr>
+            <a:picLocks noChangeAspect="1"/>
+          </p:cNvPicPr>
+          <p:nvPr/>
+        </p:nvPicPr>
+        <p:blipFill>
+          <a:blip r:embed="rId2">
+            <a:extLst>
+              <a:ext uri="{28A0092B-C50C-407E-A947-70E740481C1C}">
+                <a14:useLocalDpi xmlns:a14="http://schemas.microsoft.com/office/drawing/2010/main" val="0"/>
+              </a:ext>
+            </a:extLst>
+          </a:blip>
+          <a:stretch>
+            <a:fillRect/>
+          </a:stretch>
+        </p:blipFill>
+        <p:spPr>
+          <a:xfrm>
+            <a:off x="1064146" y="1546460"/>
+            <a:ext cx="1711036" cy="748578"/>
+          </a:xfrm>
+          <a:prstGeom prst="rect">
+            <a:avLst/>
+          </a:prstGeom>
+        </p:spPr>
+      </p:pic>
+      <p:sp>
+        <p:nvSpPr>
+          <p:cNvPr id="6" name="TextBox 5">
+            <a:extLst>
+              <a:ext uri="{FF2B5EF4-FFF2-40B4-BE49-F238E27FC236}">
+                <a16:creationId xmlns:a16="http://schemas.microsoft.com/office/drawing/2014/main" id="{99EFD0E5-5EE8-47AF-8EEA-B8E20D355A2D}"/>
+              </a:ext>
+            </a:extLst>
+          </p:cNvPr>
+          <p:cNvSpPr txBox="1"/>
+          <p:nvPr/>
+        </p:nvSpPr>
+        <p:spPr>
+          <a:xfrm>
+            <a:off x="2935489" y="1796311"/>
+            <a:ext cx="1392702" cy="369332"/>
+          </a:xfrm>
+          <a:prstGeom prst="rect">
+            <a:avLst/>
+          </a:prstGeom>
+          <a:noFill/>
+          <a:ln w="57150">
+            <a:solidFill>
+              <a:schemeClr val="tx1"/>
+            </a:solidFill>
+          </a:ln>
+        </p:spPr>
+        <p:txBody>
+          <a:bodyPr wrap="square" rtlCol="0">
+            <a:spAutoFit/>
+          </a:bodyPr>
+          <a:lstStyle/>
+          <a:p>
+            <a:pPr algn="ctr"/>
+            <a:r>
+              <a:rPr lang="en-CA" dirty="0"/>
+              <a:t>Collect data</a:t>
+            </a:r>
+          </a:p>
+        </p:txBody>
+      </p:sp>
+      <p:sp>
+        <p:nvSpPr>
+          <p:cNvPr id="7" name="TextBox 6">
+            <a:extLst>
+              <a:ext uri="{FF2B5EF4-FFF2-40B4-BE49-F238E27FC236}">
+                <a16:creationId xmlns:a16="http://schemas.microsoft.com/office/drawing/2014/main" id="{A4ACA237-CF9D-444A-9490-2C8EFC682D09}"/>
+              </a:ext>
+            </a:extLst>
+          </p:cNvPr>
+          <p:cNvSpPr txBox="1"/>
+          <p:nvPr/>
+        </p:nvSpPr>
+        <p:spPr>
+          <a:xfrm>
+            <a:off x="4822820" y="1796311"/>
+            <a:ext cx="1392702" cy="369332"/>
+          </a:xfrm>
+          <a:prstGeom prst="rect">
+            <a:avLst/>
+          </a:prstGeom>
+          <a:noFill/>
+          <a:ln w="57150">
+            <a:solidFill>
+              <a:schemeClr val="tx1"/>
+            </a:solidFill>
+          </a:ln>
+        </p:spPr>
+        <p:txBody>
+          <a:bodyPr wrap="square" rtlCol="0">
+            <a:spAutoFit/>
+          </a:bodyPr>
+          <a:lstStyle/>
+          <a:p>
+            <a:pPr algn="ctr"/>
+            <a:r>
+              <a:rPr lang="en-CA" dirty="0"/>
+              <a:t>Import to R</a:t>
+            </a:r>
+          </a:p>
+        </p:txBody>
+      </p:sp>
+      <p:sp>
+        <p:nvSpPr>
+          <p:cNvPr id="8" name="TextBox 7">
+            <a:extLst>
+              <a:ext uri="{FF2B5EF4-FFF2-40B4-BE49-F238E27FC236}">
+                <a16:creationId xmlns:a16="http://schemas.microsoft.com/office/drawing/2014/main" id="{AC980626-B015-40C6-89E2-81A2B60BA298}"/>
+              </a:ext>
+            </a:extLst>
+          </p:cNvPr>
+          <p:cNvSpPr txBox="1"/>
+          <p:nvPr/>
+        </p:nvSpPr>
+        <p:spPr>
+          <a:xfrm>
+            <a:off x="4822820" y="2537698"/>
+            <a:ext cx="1392702" cy="646331"/>
+          </a:xfrm>
+          <a:prstGeom prst="rect">
+            <a:avLst/>
+          </a:prstGeom>
+          <a:noFill/>
+          <a:ln w="57150">
+            <a:solidFill>
+              <a:schemeClr val="tx1"/>
+            </a:solidFill>
+          </a:ln>
+        </p:spPr>
+        <p:txBody>
+          <a:bodyPr wrap="square" rtlCol="0">
+            <a:spAutoFit/>
+          </a:bodyPr>
+          <a:lstStyle/>
+          <a:p>
+            <a:pPr algn="ctr"/>
+            <a:r>
+              <a:rPr lang="en-CA" dirty="0"/>
+              <a:t>Clean &amp; Transform</a:t>
+            </a:r>
+          </a:p>
+        </p:txBody>
+      </p:sp>
+      <p:sp>
+        <p:nvSpPr>
+          <p:cNvPr id="9" name="TextBox 8">
+            <a:extLst>
+              <a:ext uri="{FF2B5EF4-FFF2-40B4-BE49-F238E27FC236}">
+                <a16:creationId xmlns:a16="http://schemas.microsoft.com/office/drawing/2014/main" id="{0126100D-37F6-4E66-8838-048CEB2A546C}"/>
+              </a:ext>
+            </a:extLst>
+          </p:cNvPr>
+          <p:cNvSpPr txBox="1"/>
+          <p:nvPr/>
+        </p:nvSpPr>
+        <p:spPr>
+          <a:xfrm>
+            <a:off x="3095214" y="2537697"/>
+            <a:ext cx="1156420" cy="369332"/>
+          </a:xfrm>
+          <a:prstGeom prst="rect">
+            <a:avLst/>
+          </a:prstGeom>
+          <a:noFill/>
+          <a:ln w="57150">
+            <a:solidFill>
+              <a:schemeClr val="tx1"/>
+            </a:solidFill>
+          </a:ln>
+        </p:spPr>
+        <p:txBody>
+          <a:bodyPr wrap="square" rtlCol="0">
+            <a:spAutoFit/>
+          </a:bodyPr>
+          <a:lstStyle/>
+          <a:p>
+            <a:pPr algn="ctr"/>
+            <a:r>
+              <a:rPr lang="en-CA" dirty="0"/>
+              <a:t>Explore</a:t>
+            </a:r>
+          </a:p>
+        </p:txBody>
+      </p:sp>
+      <p:sp>
+        <p:nvSpPr>
+          <p:cNvPr id="10" name="TextBox 9">
+            <a:extLst>
+              <a:ext uri="{FF2B5EF4-FFF2-40B4-BE49-F238E27FC236}">
+                <a16:creationId xmlns:a16="http://schemas.microsoft.com/office/drawing/2014/main" id="{3E03FEB1-372A-4CD0-A151-D602022489B5}"/>
+              </a:ext>
+            </a:extLst>
+          </p:cNvPr>
+          <p:cNvSpPr txBox="1"/>
+          <p:nvPr/>
+        </p:nvSpPr>
+        <p:spPr>
+          <a:xfrm>
+            <a:off x="1242341" y="2542780"/>
+            <a:ext cx="1392702" cy="369332"/>
+          </a:xfrm>
+          <a:prstGeom prst="rect">
+            <a:avLst/>
+          </a:prstGeom>
+          <a:noFill/>
+          <a:ln w="57150">
+            <a:solidFill>
+              <a:schemeClr val="tx1"/>
+            </a:solidFill>
+          </a:ln>
+        </p:spPr>
+        <p:txBody>
+          <a:bodyPr wrap="square" rtlCol="0">
+            <a:spAutoFit/>
+          </a:bodyPr>
+          <a:lstStyle/>
+          <a:p>
+            <a:pPr algn="ctr"/>
+            <a:r>
+              <a:rPr lang="en-CA" dirty="0"/>
+              <a:t>Model</a:t>
+            </a:r>
+          </a:p>
+        </p:txBody>
+      </p:sp>
+      <p:sp>
+        <p:nvSpPr>
+          <p:cNvPr id="11" name="TextBox 10">
+            <a:extLst>
+              <a:ext uri="{FF2B5EF4-FFF2-40B4-BE49-F238E27FC236}">
+                <a16:creationId xmlns:a16="http://schemas.microsoft.com/office/drawing/2014/main" id="{A90E628B-883B-4B1D-ABBE-0B33E7BAA6A2}"/>
+              </a:ext>
+            </a:extLst>
+          </p:cNvPr>
+          <p:cNvSpPr txBox="1"/>
+          <p:nvPr/>
+        </p:nvSpPr>
+        <p:spPr>
+          <a:xfrm>
+            <a:off x="1276691" y="3307427"/>
+            <a:ext cx="1324002" cy="369332"/>
+          </a:xfrm>
+          <a:prstGeom prst="rect">
+            <a:avLst/>
+          </a:prstGeom>
+          <a:noFill/>
+          <a:ln w="57150">
+            <a:solidFill>
+              <a:schemeClr val="tx1"/>
+            </a:solidFill>
+          </a:ln>
+        </p:spPr>
+        <p:txBody>
+          <a:bodyPr wrap="square" rtlCol="0">
+            <a:spAutoFit/>
+          </a:bodyPr>
+          <a:lstStyle/>
+          <a:p>
+            <a:pPr algn="ctr"/>
+            <a:r>
+              <a:rPr lang="en-CA" dirty="0"/>
+              <a:t>Interpret</a:t>
+            </a:r>
+          </a:p>
+        </p:txBody>
+      </p:sp>
+      <p:sp>
+        <p:nvSpPr>
+          <p:cNvPr id="12" name="TextBox 11">
+            <a:extLst>
+              <a:ext uri="{FF2B5EF4-FFF2-40B4-BE49-F238E27FC236}">
+                <a16:creationId xmlns:a16="http://schemas.microsoft.com/office/drawing/2014/main" id="{E1432556-4E5A-4985-BBEE-B5476C8C0D53}"/>
+              </a:ext>
+            </a:extLst>
+          </p:cNvPr>
+          <p:cNvSpPr txBox="1"/>
+          <p:nvPr/>
+        </p:nvSpPr>
+        <p:spPr>
+          <a:xfrm>
+            <a:off x="3126238" y="3318129"/>
+            <a:ext cx="1540411" cy="369332"/>
+          </a:xfrm>
+          <a:prstGeom prst="rect">
+            <a:avLst/>
+          </a:prstGeom>
+          <a:noFill/>
+          <a:ln w="57150">
+            <a:solidFill>
+              <a:srgbClr val="00B0F0"/>
+            </a:solidFill>
+          </a:ln>
+        </p:spPr>
+        <p:txBody>
+          <a:bodyPr wrap="square" rtlCol="0">
+            <a:spAutoFit/>
+          </a:bodyPr>
+          <a:lstStyle/>
+          <a:p>
+            <a:pPr algn="ctr"/>
+            <a:r>
+              <a:rPr lang="en-CA" b="1" dirty="0"/>
+              <a:t>Communicate</a:t>
+            </a:r>
+          </a:p>
+        </p:txBody>
+      </p:sp>
+      <p:sp>
+        <p:nvSpPr>
+          <p:cNvPr id="13" name="Arrow: Right 12">
+            <a:extLst>
+              <a:ext uri="{FF2B5EF4-FFF2-40B4-BE49-F238E27FC236}">
+                <a16:creationId xmlns:a16="http://schemas.microsoft.com/office/drawing/2014/main" id="{285DFCB1-EE83-4465-B43B-E8491ECCEC6B}"/>
+              </a:ext>
+            </a:extLst>
+          </p:cNvPr>
+          <p:cNvSpPr/>
+          <p:nvPr/>
+        </p:nvSpPr>
+        <p:spPr>
+          <a:xfrm>
+            <a:off x="4328190" y="1826624"/>
+            <a:ext cx="487453" cy="308706"/>
+          </a:xfrm>
+          <a:prstGeom prst="rightArrow">
+            <a:avLst/>
+          </a:prstGeom>
+        </p:spPr>
+        <p:style>
+          <a:lnRef idx="2">
+            <a:schemeClr val="dk1">
+              <a:shade val="50000"/>
+            </a:schemeClr>
+          </a:lnRef>
+          <a:fillRef idx="1">
+            <a:schemeClr val="dk1"/>
+          </a:fillRef>
+          <a:effectRef idx="0">
+            <a:schemeClr val="dk1"/>
+          </a:effectRef>
+          <a:fontRef idx="minor">
+            <a:schemeClr val="lt1"/>
+          </a:fontRef>
+        </p:style>
+        <p:txBody>
+          <a:bodyPr rtlCol="0" anchor="ctr"/>
+          <a:lstStyle/>
+          <a:p>
+            <a:pPr algn="ctr"/>
+            <a:endParaRPr lang="en-CA"/>
+          </a:p>
+        </p:txBody>
+      </p:sp>
+      <p:sp>
+        <p:nvSpPr>
+          <p:cNvPr id="14" name="Arrow: Right 13">
+            <a:extLst>
+              <a:ext uri="{FF2B5EF4-FFF2-40B4-BE49-F238E27FC236}">
+                <a16:creationId xmlns:a16="http://schemas.microsoft.com/office/drawing/2014/main" id="{26315E62-322D-434A-B66E-BB91D8E35A98}"/>
+              </a:ext>
+            </a:extLst>
+          </p:cNvPr>
+          <p:cNvSpPr/>
+          <p:nvPr/>
+        </p:nvSpPr>
+        <p:spPr>
+          <a:xfrm rot="5400000">
+            <a:off x="5352652" y="2199968"/>
+            <a:ext cx="359288" cy="316171"/>
+          </a:xfrm>
+          <a:prstGeom prst="rightArrow">
+            <a:avLst/>
+          </a:prstGeom>
+        </p:spPr>
+        <p:style>
+          <a:lnRef idx="2">
+            <a:schemeClr val="dk1">
+              <a:shade val="50000"/>
+            </a:schemeClr>
+          </a:lnRef>
+          <a:fillRef idx="1">
+            <a:schemeClr val="dk1"/>
+          </a:fillRef>
+          <a:effectRef idx="0">
+            <a:schemeClr val="dk1"/>
+          </a:effectRef>
+          <a:fontRef idx="minor">
+            <a:schemeClr val="lt1"/>
+          </a:fontRef>
+        </p:style>
+        <p:txBody>
+          <a:bodyPr rtlCol="0" anchor="ctr"/>
+          <a:lstStyle/>
+          <a:p>
+            <a:pPr algn="ctr"/>
+            <a:endParaRPr lang="en-CA"/>
+          </a:p>
+        </p:txBody>
+      </p:sp>
+      <p:sp>
+        <p:nvSpPr>
+          <p:cNvPr id="15" name="Arrow: Right 14">
+            <a:extLst>
+              <a:ext uri="{FF2B5EF4-FFF2-40B4-BE49-F238E27FC236}">
+                <a16:creationId xmlns:a16="http://schemas.microsoft.com/office/drawing/2014/main" id="{08A31CBC-64D0-495C-BF84-ADDF8C05A540}"/>
+              </a:ext>
+            </a:extLst>
+          </p:cNvPr>
+          <p:cNvSpPr/>
+          <p:nvPr/>
+        </p:nvSpPr>
+        <p:spPr>
+          <a:xfrm rot="10800000">
+            <a:off x="4282842" y="2510393"/>
+            <a:ext cx="508770" cy="216827"/>
+          </a:xfrm>
+          <a:prstGeom prst="rightArrow">
+            <a:avLst/>
+          </a:prstGeom>
+        </p:spPr>
+        <p:style>
+          <a:lnRef idx="2">
+            <a:schemeClr val="dk1">
+              <a:shade val="50000"/>
+            </a:schemeClr>
+          </a:lnRef>
+          <a:fillRef idx="1">
+            <a:schemeClr val="dk1"/>
+          </a:fillRef>
+          <a:effectRef idx="0">
+            <a:schemeClr val="dk1"/>
+          </a:effectRef>
+          <a:fontRef idx="minor">
+            <a:schemeClr val="lt1"/>
+          </a:fontRef>
+        </p:style>
+        <p:txBody>
+          <a:bodyPr rtlCol="0" anchor="ctr"/>
+          <a:lstStyle/>
+          <a:p>
+            <a:pPr algn="ctr"/>
+            <a:endParaRPr lang="en-CA"/>
+          </a:p>
+        </p:txBody>
+      </p:sp>
+      <p:sp>
+        <p:nvSpPr>
+          <p:cNvPr id="16" name="Arrow: Right 15">
+            <a:extLst>
+              <a:ext uri="{FF2B5EF4-FFF2-40B4-BE49-F238E27FC236}">
+                <a16:creationId xmlns:a16="http://schemas.microsoft.com/office/drawing/2014/main" id="{223F11C9-DAE1-40D3-B58E-9FDC16410151}"/>
+              </a:ext>
+            </a:extLst>
+          </p:cNvPr>
+          <p:cNvSpPr/>
+          <p:nvPr/>
+        </p:nvSpPr>
+        <p:spPr>
+          <a:xfrm rot="10800000">
+            <a:off x="2669096" y="2569358"/>
+            <a:ext cx="409092" cy="335878"/>
+          </a:xfrm>
+          <a:prstGeom prst="rightArrow">
+            <a:avLst/>
+          </a:prstGeom>
+        </p:spPr>
+        <p:style>
+          <a:lnRef idx="2">
+            <a:schemeClr val="dk1">
+              <a:shade val="50000"/>
+            </a:schemeClr>
+          </a:lnRef>
+          <a:fillRef idx="1">
+            <a:schemeClr val="dk1"/>
+          </a:fillRef>
+          <a:effectRef idx="0">
+            <a:schemeClr val="dk1"/>
+          </a:effectRef>
+          <a:fontRef idx="minor">
+            <a:schemeClr val="lt1"/>
+          </a:fontRef>
+        </p:style>
+        <p:txBody>
+          <a:bodyPr rtlCol="0" anchor="ctr"/>
+          <a:lstStyle/>
+          <a:p>
+            <a:pPr algn="ctr"/>
+            <a:endParaRPr lang="en-CA"/>
+          </a:p>
+        </p:txBody>
+      </p:sp>
+      <p:sp>
+        <p:nvSpPr>
+          <p:cNvPr id="17" name="Arrow: Right 16">
+            <a:extLst>
+              <a:ext uri="{FF2B5EF4-FFF2-40B4-BE49-F238E27FC236}">
+                <a16:creationId xmlns:a16="http://schemas.microsoft.com/office/drawing/2014/main" id="{6B104CEC-0CC3-44D5-AEA9-993F6C0998DD}"/>
+              </a:ext>
+            </a:extLst>
+          </p:cNvPr>
+          <p:cNvSpPr/>
+          <p:nvPr/>
+        </p:nvSpPr>
+        <p:spPr>
+          <a:xfrm>
+            <a:off x="2622752" y="3324249"/>
+            <a:ext cx="455435" cy="335878"/>
+          </a:xfrm>
+          <a:prstGeom prst="rightArrow">
+            <a:avLst/>
+          </a:prstGeom>
+        </p:spPr>
+        <p:style>
+          <a:lnRef idx="2">
+            <a:schemeClr val="dk1">
+              <a:shade val="50000"/>
+            </a:schemeClr>
+          </a:lnRef>
+          <a:fillRef idx="1">
+            <a:schemeClr val="dk1"/>
+          </a:fillRef>
+          <a:effectRef idx="0">
+            <a:schemeClr val="dk1"/>
+          </a:effectRef>
+          <a:fontRef idx="minor">
+            <a:schemeClr val="lt1"/>
+          </a:fontRef>
+        </p:style>
+        <p:txBody>
+          <a:bodyPr rtlCol="0" anchor="ctr"/>
+          <a:lstStyle/>
+          <a:p>
+            <a:pPr algn="ctr"/>
+            <a:endParaRPr lang="en-CA"/>
+          </a:p>
+        </p:txBody>
+      </p:sp>
+      <p:sp>
+        <p:nvSpPr>
+          <p:cNvPr id="18" name="Arrow: Right 17">
+            <a:extLst>
+              <a:ext uri="{FF2B5EF4-FFF2-40B4-BE49-F238E27FC236}">
+                <a16:creationId xmlns:a16="http://schemas.microsoft.com/office/drawing/2014/main" id="{C65B6673-ABD5-4173-B407-437A0DE4D9C6}"/>
+              </a:ext>
+            </a:extLst>
+          </p:cNvPr>
+          <p:cNvSpPr/>
+          <p:nvPr/>
+        </p:nvSpPr>
+        <p:spPr>
+          <a:xfrm>
+            <a:off x="4285686" y="2747000"/>
+            <a:ext cx="508770" cy="216827"/>
+          </a:xfrm>
+          <a:prstGeom prst="rightArrow">
+            <a:avLst/>
+          </a:prstGeom>
+        </p:spPr>
+        <p:style>
+          <a:lnRef idx="2">
+            <a:schemeClr val="dk1">
+              <a:shade val="50000"/>
+            </a:schemeClr>
+          </a:lnRef>
+          <a:fillRef idx="1">
+            <a:schemeClr val="dk1"/>
+          </a:fillRef>
+          <a:effectRef idx="0">
+            <a:schemeClr val="dk1"/>
+          </a:effectRef>
+          <a:fontRef idx="minor">
+            <a:schemeClr val="lt1"/>
+          </a:fontRef>
+        </p:style>
+        <p:txBody>
+          <a:bodyPr rtlCol="0" anchor="ctr"/>
+          <a:lstStyle/>
+          <a:p>
+            <a:pPr algn="ctr"/>
+            <a:endParaRPr lang="en-CA"/>
+          </a:p>
+        </p:txBody>
+      </p:sp>
+      <p:sp>
+        <p:nvSpPr>
+          <p:cNvPr id="19" name="Arrow: Right 18">
+            <a:extLst>
+              <a:ext uri="{FF2B5EF4-FFF2-40B4-BE49-F238E27FC236}">
+                <a16:creationId xmlns:a16="http://schemas.microsoft.com/office/drawing/2014/main" id="{AFE7460B-7CAA-4553-81AC-362ABC4E537E}"/>
+              </a:ext>
+            </a:extLst>
+          </p:cNvPr>
+          <p:cNvSpPr/>
+          <p:nvPr/>
+        </p:nvSpPr>
+        <p:spPr>
+          <a:xfrm rot="5400000">
+            <a:off x="1738338" y="2963822"/>
+            <a:ext cx="359288" cy="316171"/>
+          </a:xfrm>
+          <a:prstGeom prst="rightArrow">
+            <a:avLst/>
+          </a:prstGeom>
+        </p:spPr>
+        <p:style>
+          <a:lnRef idx="2">
+            <a:schemeClr val="dk1">
+              <a:shade val="50000"/>
+            </a:schemeClr>
+          </a:lnRef>
+          <a:fillRef idx="1">
+            <a:schemeClr val="dk1"/>
+          </a:fillRef>
+          <a:effectRef idx="0">
+            <a:schemeClr val="dk1"/>
+          </a:effectRef>
+          <a:fontRef idx="minor">
+            <a:schemeClr val="lt1"/>
+          </a:fontRef>
+        </p:style>
+        <p:txBody>
+          <a:bodyPr rtlCol="0" anchor="ctr"/>
+          <a:lstStyle/>
+          <a:p>
+            <a:pPr algn="ctr"/>
+            <a:endParaRPr lang="en-CA"/>
+          </a:p>
+        </p:txBody>
+      </p:sp>
+    </p:spTree>
+    <p:extLst>
+      <p:ext uri="{BB962C8B-B14F-4D97-AF65-F5344CB8AC3E}">
+        <p14:creationId xmlns:p14="http://schemas.microsoft.com/office/powerpoint/2010/main" val="4002857078"/>
+      </p:ext>
+    </p:extLst>
+  </p:cSld>
+  <p:clrMapOvr>
+    <a:masterClrMapping/>
+  </p:clrMapOvr>
+</p:sld>
+</file>
+
 <file path=ppt/theme/theme1.xml><?xml version="1.0" encoding="utf-8"?>
 <a:theme xmlns:a="http://schemas.openxmlformats.org/drawingml/2006/main" name="Office Theme">
   <a:themeElements>
@@ -7673,6 +12701,24 @@
 </file>
 
 <file path=customXml/item1.xml><?xml version="1.0" encoding="utf-8"?>
+<p:properties xmlns:p="http://schemas.microsoft.com/office/2006/metadata/properties" xmlns:xsi="http://www.w3.org/2001/XMLSchema-instance" xmlns:pc="http://schemas.microsoft.com/office/infopath/2007/PartnerControls">
+  <documentManagement>
+    <_ip_UnifiedCompliancePolicyUIAction xmlns="http://schemas.microsoft.com/sharepoint/v3" xsi:nil="true"/>
+    <_ip_UnifiedCompliancePolicyProperties xmlns="http://schemas.microsoft.com/sharepoint/v3" xsi:nil="true"/>
+  </documentManagement>
+</p:properties>
+</file>
+
+<file path=customXml/item2.xml><?xml version="1.0" encoding="utf-8"?>
+<?mso-contentType ?>
+<FormTemplates xmlns="http://schemas.microsoft.com/sharepoint/v3/contenttype/forms">
+  <Display>DocumentLibraryForm</Display>
+  <Edit>DocumentLibraryForm</Edit>
+  <New>DocumentLibraryForm</New>
+</FormTemplates>
+</file>
+
+<file path=customXml/item3.xml><?xml version="1.0" encoding="utf-8"?>
 <ct:contentTypeSchema xmlns:ct="http://schemas.microsoft.com/office/2006/metadata/contentType" xmlns:ma="http://schemas.microsoft.com/office/2006/metadata/properties/metaAttributes" ct:_="" ma:_="" ma:contentTypeName="Document" ma:contentTypeID="0x01010007A4C25A60F58F4F9E2D77EB700D4DDD" ma:contentTypeVersion="15" ma:contentTypeDescription="Create a new document." ma:contentTypeScope="" ma:versionID="8710c4c97b9e130be92970e6791c71a6">
   <xsd:schema xmlns:xsd="http://www.w3.org/2001/XMLSchema" xmlns:xs="http://www.w3.org/2001/XMLSchema" xmlns:p="http://schemas.microsoft.com/office/2006/metadata/properties" xmlns:ns1="http://schemas.microsoft.com/sharepoint/v3" xmlns:ns3="216bde26-9634-4d6a-91fe-0c0c14b20b90" xmlns:ns4="c8e4db4b-48df-4a0d-a5ad-b048e586ef36" targetNamespace="http://schemas.microsoft.com/office/2006/metadata/properties" ma:root="true" ma:fieldsID="21a0cc795564e7308a3e331186d6c256" ns1:_="" ns3:_="" ns4:_="">
     <xsd:import namespace="http://schemas.microsoft.com/sharepoint/v3"/>
@@ -7912,25 +12958,33 @@
 </ct:contentTypeSchema>
 </file>
 
-<file path=customXml/item2.xml><?xml version="1.0" encoding="utf-8"?>
-<?mso-contentType ?>
-<FormTemplates xmlns="http://schemas.microsoft.com/sharepoint/v3/contenttype/forms">
-  <Display>DocumentLibraryForm</Display>
-  <Edit>DocumentLibraryForm</Edit>
-  <New>DocumentLibraryForm</New>
-</FormTemplates>
+<file path=customXml/itemProps1.xml><?xml version="1.0" encoding="utf-8"?>
+<ds:datastoreItem xmlns:ds="http://schemas.openxmlformats.org/officeDocument/2006/customXml" ds:itemID="{92329657-48FE-49A3-A424-7C5B871C3595}">
+  <ds:schemaRefs>
+    <ds:schemaRef ds:uri="http://purl.org/dc/elements/1.1/"/>
+    <ds:schemaRef ds:uri="http://schemas.microsoft.com/office/2006/metadata/properties"/>
+    <ds:schemaRef ds:uri="c8e4db4b-48df-4a0d-a5ad-b048e586ef36"/>
+    <ds:schemaRef ds:uri="216bde26-9634-4d6a-91fe-0c0c14b20b90"/>
+    <ds:schemaRef ds:uri="http://schemas.microsoft.com/office/2006/documentManagement/types"/>
+    <ds:schemaRef ds:uri="http://purl.org/dc/dcmitype/"/>
+    <ds:schemaRef ds:uri="http://schemas.microsoft.com/office/infopath/2007/PartnerControls"/>
+    <ds:schemaRef ds:uri="http://schemas.openxmlformats.org/package/2006/metadata/core-properties"/>
+    <ds:schemaRef ds:uri="http://schemas.microsoft.com/sharepoint/v3"/>
+    <ds:schemaRef ds:uri="http://www.w3.org/XML/1998/namespace"/>
+    <ds:schemaRef ds:uri="http://purl.org/dc/terms/"/>
+  </ds:schemaRefs>
+</ds:datastoreItem>
 </file>
 
-<file path=customXml/item3.xml><?xml version="1.0" encoding="utf-8"?>
-<p:properties xmlns:p="http://schemas.microsoft.com/office/2006/metadata/properties" xmlns:xsi="http://www.w3.org/2001/XMLSchema-instance" xmlns:pc="http://schemas.microsoft.com/office/infopath/2007/PartnerControls">
-  <documentManagement>
-    <_ip_UnifiedCompliancePolicyUIAction xmlns="http://schemas.microsoft.com/sharepoint/v3" xsi:nil="true"/>
-    <_ip_UnifiedCompliancePolicyProperties xmlns="http://schemas.microsoft.com/sharepoint/v3" xsi:nil="true"/>
-  </documentManagement>
-</p:properties>
+<file path=customXml/itemProps2.xml><?xml version="1.0" encoding="utf-8"?>
+<ds:datastoreItem xmlns:ds="http://schemas.openxmlformats.org/officeDocument/2006/customXml" ds:itemID="{07AA66D3-A468-4FD2-B192-9E6BD79914F3}">
+  <ds:schemaRefs>
+    <ds:schemaRef ds:uri="http://schemas.microsoft.com/sharepoint/v3/contenttype/forms"/>
+  </ds:schemaRefs>
+</ds:datastoreItem>
 </file>
 
-<file path=customXml/itemProps1.xml><?xml version="1.0" encoding="utf-8"?>
+<file path=customXml/itemProps3.xml><?xml version="1.0" encoding="utf-8"?>
 <ds:datastoreItem xmlns:ds="http://schemas.openxmlformats.org/officeDocument/2006/customXml" ds:itemID="{8ABEFD2E-E45F-4181-A504-5D747E6F588B}">
   <ds:schemaRefs>
     <ds:schemaRef ds:uri="http://schemas.microsoft.com/office/2006/metadata/contentType"/>
@@ -7948,30 +13002,4 @@
     <ds:schemaRef ds:uri="http://schemas.microsoft.com/internal/obd"/>
   </ds:schemaRefs>
 </ds:datastoreItem>
-</file>
-
-<file path=customXml/itemProps2.xml><?xml version="1.0" encoding="utf-8"?>
-<ds:datastoreItem xmlns:ds="http://schemas.openxmlformats.org/officeDocument/2006/customXml" ds:itemID="{07AA66D3-A468-4FD2-B192-9E6BD79914F3}">
-  <ds:schemaRefs>
-    <ds:schemaRef ds:uri="http://schemas.microsoft.com/sharepoint/v3/contenttype/forms"/>
-  </ds:schemaRefs>
-</ds:datastoreItem>
-</file>
-
-<file path=customXml/itemProps3.xml><?xml version="1.0" encoding="utf-8"?>
-<ds:datastoreItem xmlns:ds="http://schemas.openxmlformats.org/officeDocument/2006/customXml" ds:itemID="{92329657-48FE-49A3-A424-7C5B871C3595}">
-  <ds:schemaRefs>
-    <ds:schemaRef ds:uri="http://purl.org/dc/elements/1.1/"/>
-    <ds:schemaRef ds:uri="http://schemas.microsoft.com/office/2006/metadata/properties"/>
-    <ds:schemaRef ds:uri="c8e4db4b-48df-4a0d-a5ad-b048e586ef36"/>
-    <ds:schemaRef ds:uri="216bde26-9634-4d6a-91fe-0c0c14b20b90"/>
-    <ds:schemaRef ds:uri="http://schemas.microsoft.com/office/2006/documentManagement/types"/>
-    <ds:schemaRef ds:uri="http://purl.org/dc/dcmitype/"/>
-    <ds:schemaRef ds:uri="http://schemas.microsoft.com/office/infopath/2007/PartnerControls"/>
-    <ds:schemaRef ds:uri="http://schemas.openxmlformats.org/package/2006/metadata/core-properties"/>
-    <ds:schemaRef ds:uri="http://schemas.microsoft.com/sharepoint/v3"/>
-    <ds:schemaRef ds:uri="http://www.w3.org/XML/1998/namespace"/>
-    <ds:schemaRef ds:uri="http://purl.org/dc/terms/"/>
-  </ds:schemaRefs>
-</ds:datastoreItem>
 </file>